--- a/slides/Bayesian_images.pptx
+++ b/slides/Bayesian_images.pptx
@@ -7,20 +7,18 @@
   <p:sldIdLst>
     <p:sldId id="256" r:id="rId2"/>
     <p:sldId id="257" r:id="rId3"/>
-    <p:sldId id="258" r:id="rId4"/>
-    <p:sldId id="259" r:id="rId5"/>
-    <p:sldId id="260" r:id="rId6"/>
-    <p:sldId id="261" r:id="rId7"/>
-    <p:sldId id="262" r:id="rId8"/>
-    <p:sldId id="263" r:id="rId9"/>
-    <p:sldId id="266" r:id="rId10"/>
-    <p:sldId id="265" r:id="rId11"/>
-    <p:sldId id="267" r:id="rId12"/>
-    <p:sldId id="268" r:id="rId13"/>
-    <p:sldId id="269" r:id="rId14"/>
-    <p:sldId id="270" r:id="rId15"/>
-    <p:sldId id="264" r:id="rId16"/>
-    <p:sldId id="271" r:id="rId17"/>
+    <p:sldId id="260" r:id="rId4"/>
+    <p:sldId id="261" r:id="rId5"/>
+    <p:sldId id="262" r:id="rId6"/>
+    <p:sldId id="263" r:id="rId7"/>
+    <p:sldId id="266" r:id="rId8"/>
+    <p:sldId id="265" r:id="rId9"/>
+    <p:sldId id="267" r:id="rId10"/>
+    <p:sldId id="268" r:id="rId11"/>
+    <p:sldId id="269" r:id="rId12"/>
+    <p:sldId id="270" r:id="rId13"/>
+    <p:sldId id="264" r:id="rId14"/>
+    <p:sldId id="271" r:id="rId15"/>
   </p:sldIdLst>
   <p:sldSz cx="12192000" cy="6858000"/>
   <p:notesSz cx="6858000" cy="9144000"/>
@@ -3954,329 +3952,6 @@
           <a:chExt cx="0" cy="0"/>
         </a:xfrm>
       </p:grpSpPr>
-      <p:sp>
-        <p:nvSpPr>
-          <p:cNvPr id="2" name="Title 1">
-            <a:extLst>
-              <a:ext uri="{FF2B5EF4-FFF2-40B4-BE49-F238E27FC236}">
-                <a16:creationId xmlns:a16="http://schemas.microsoft.com/office/drawing/2014/main" id="{297F8A9F-4978-D716-7AB1-3E92E6954284}"/>
-              </a:ext>
-            </a:extLst>
-          </p:cNvPr>
-          <p:cNvSpPr>
-            <a:spLocks noGrp="1"/>
-          </p:cNvSpPr>
-          <p:nvPr>
-            <p:ph type="title"/>
-          </p:nvPr>
-        </p:nvSpPr>
-        <p:spPr/>
-        <p:txBody>
-          <a:bodyPr/>
-          <a:lstStyle/>
-          <a:p>
-            <a:r>
-              <a:rPr lang="en-GB" dirty="0"/>
-              <a:t>How to calculate the A?</a:t>
-            </a:r>
-          </a:p>
-        </p:txBody>
-      </p:sp>
-      <p:pic>
-        <p:nvPicPr>
-          <p:cNvPr id="4" name="Picture 3">
-            <a:extLst>
-              <a:ext uri="{FF2B5EF4-FFF2-40B4-BE49-F238E27FC236}">
-                <a16:creationId xmlns:a16="http://schemas.microsoft.com/office/drawing/2014/main" id="{F011E723-7FFD-EEF9-7253-0255E9E94658}"/>
-              </a:ext>
-            </a:extLst>
-          </p:cNvPr>
-          <p:cNvPicPr>
-            <a:picLocks noChangeAspect="1"/>
-          </p:cNvPicPr>
-          <p:nvPr/>
-        </p:nvPicPr>
-        <p:blipFill>
-          <a:blip r:embed="rId2"/>
-          <a:stretch>
-            <a:fillRect/>
-          </a:stretch>
-        </p:blipFill>
-        <p:spPr>
-          <a:xfrm>
-            <a:off x="838200" y="1536007"/>
-            <a:ext cx="6453831" cy="4747231"/>
-          </a:xfrm>
-          <a:prstGeom prst="rect">
-            <a:avLst/>
-          </a:prstGeom>
-        </p:spPr>
-      </p:pic>
-    </p:spTree>
-    <p:extLst>
-      <p:ext uri="{BB962C8B-B14F-4D97-AF65-F5344CB8AC3E}">
-        <p14:creationId xmlns:p14="http://schemas.microsoft.com/office/powerpoint/2010/main" val="400761090"/>
-      </p:ext>
-    </p:extLst>
-  </p:cSld>
-  <p:clrMapOvr>
-    <a:masterClrMapping/>
-  </p:clrMapOvr>
-</p:sld>
-</file>
-
-<file path=ppt/slides/slide11.xml><?xml version="1.0" encoding="utf-8"?>
-<p:sld xmlns:a="http://schemas.openxmlformats.org/drawingml/2006/main" xmlns:r="http://schemas.openxmlformats.org/officeDocument/2006/relationships" xmlns:p="http://schemas.openxmlformats.org/presentationml/2006/main">
-  <p:cSld>
-    <p:spTree>
-      <p:nvGrpSpPr>
-        <p:cNvPr id="1" name=""/>
-        <p:cNvGrpSpPr/>
-        <p:nvPr/>
-      </p:nvGrpSpPr>
-      <p:grpSpPr>
-        <a:xfrm>
-          <a:off x="0" y="0"/>
-          <a:ext cx="0" cy="0"/>
-          <a:chOff x="0" y="0"/>
-          <a:chExt cx="0" cy="0"/>
-        </a:xfrm>
-      </p:grpSpPr>
-      <mc:AlternateContent xmlns:mc="http://schemas.openxmlformats.org/markup-compatibility/2006" xmlns:a14="http://schemas.microsoft.com/office/drawing/2010/main">
-        <mc:Choice Requires="a14">
-          <p:sp>
-            <p:nvSpPr>
-              <p:cNvPr id="2" name="Title 1">
-                <a:extLst>
-                  <a:ext uri="{FF2B5EF4-FFF2-40B4-BE49-F238E27FC236}">
-                    <a16:creationId xmlns:a16="http://schemas.microsoft.com/office/drawing/2014/main" id="{9E28A671-8A7C-29D7-B39F-9FE3F7576BC4}"/>
-                  </a:ext>
-                </a:extLst>
-              </p:cNvPr>
-              <p:cNvSpPr>
-                <a:spLocks noGrp="1"/>
-              </p:cNvSpPr>
-              <p:nvPr>
-                <p:ph type="title"/>
-              </p:nvPr>
-            </p:nvSpPr>
-            <p:spPr/>
-            <p:txBody>
-              <a:bodyPr/>
-              <a:lstStyle/>
-              <a:p>
-                <a:r>
-                  <a:rPr lang="en-GB" dirty="0"/>
-                  <a:t>How to calculate de </a:t>
-                </a:r>
-                <a:r>
-                  <a:rPr lang="en-GB" i="1" dirty="0"/>
-                  <a:t>prior</a:t>
-                </a:r>
-                <a:r>
-                  <a:rPr lang="en-GB" dirty="0"/>
-                  <a:t> </a:t>
-                </a:r>
-                <a14:m>
-                  <m:oMath xmlns:m="http://schemas.openxmlformats.org/officeDocument/2006/math">
-                    <m:r>
-                      <a:rPr lang="es-ES" b="0" i="1" smtClean="0">
-                        <a:latin typeface="Cambria Math" panose="02040503050406030204" pitchFamily="18" charset="0"/>
-                      </a:rPr>
-                      <m:t>𝑃</m:t>
-                    </m:r>
-                    <m:d>
-                      <m:dPr>
-                        <m:ctrlPr>
-                          <a:rPr lang="es-ES" b="0" i="1" smtClean="0">
-                            <a:latin typeface="Cambria Math" panose="02040503050406030204" pitchFamily="18" charset="0"/>
-                          </a:rPr>
-                        </m:ctrlPr>
-                      </m:dPr>
-                      <m:e>
-                        <m:r>
-                          <a:rPr lang="es-ES" b="0" i="1" smtClean="0">
-                            <a:latin typeface="Cambria Math" panose="02040503050406030204" pitchFamily="18" charset="0"/>
-                            <a:ea typeface="Cambria Math" panose="02040503050406030204" pitchFamily="18" charset="0"/>
-                          </a:rPr>
-                          <m:t>𝜃</m:t>
-                        </m:r>
-                      </m:e>
-                    </m:d>
-                    <m:r>
-                      <a:rPr lang="es-ES" b="0" i="1" smtClean="0">
-                        <a:latin typeface="Cambria Math" panose="02040503050406030204" pitchFamily="18" charset="0"/>
-                        <a:ea typeface="Cambria Math" panose="02040503050406030204" pitchFamily="18" charset="0"/>
-                      </a:rPr>
-                      <m:t>𝑎𝑛𝑑</m:t>
-                    </m:r>
-                    <m:r>
-                      <a:rPr lang="es-ES" b="0" i="1" smtClean="0">
-                        <a:latin typeface="Cambria Math" panose="02040503050406030204" pitchFamily="18" charset="0"/>
-                        <a:ea typeface="Cambria Math" panose="02040503050406030204" pitchFamily="18" charset="0"/>
-                      </a:rPr>
-                      <m:t> </m:t>
-                    </m:r>
-                    <m:r>
-                      <a:rPr lang="es-ES" b="0" i="1" smtClean="0">
-                        <a:latin typeface="Cambria Math" panose="02040503050406030204" pitchFamily="18" charset="0"/>
-                        <a:ea typeface="Cambria Math" panose="02040503050406030204" pitchFamily="18" charset="0"/>
-                      </a:rPr>
-                      <m:t>𝑃</m:t>
-                    </m:r>
-                    <m:d>
-                      <m:dPr>
-                        <m:ctrlPr>
-                          <a:rPr lang="es-ES" b="0" i="1" smtClean="0">
-                            <a:latin typeface="Cambria Math" panose="02040503050406030204" pitchFamily="18" charset="0"/>
-                            <a:ea typeface="Cambria Math" panose="02040503050406030204" pitchFamily="18" charset="0"/>
-                          </a:rPr>
-                        </m:ctrlPr>
-                      </m:dPr>
-                      <m:e>
-                        <m:sSup>
-                          <m:sSupPr>
-                            <m:ctrlPr>
-                              <a:rPr lang="es-ES" b="0" i="1" smtClean="0">
-                                <a:latin typeface="Cambria Math" panose="02040503050406030204" pitchFamily="18" charset="0"/>
-                                <a:ea typeface="Cambria Math" panose="02040503050406030204" pitchFamily="18" charset="0"/>
-                              </a:rPr>
-                            </m:ctrlPr>
-                          </m:sSupPr>
-                          <m:e>
-                            <m:r>
-                              <a:rPr lang="es-ES" b="0" i="1" smtClean="0">
-                                <a:latin typeface="Cambria Math" panose="02040503050406030204" pitchFamily="18" charset="0"/>
-                                <a:ea typeface="Cambria Math" panose="02040503050406030204" pitchFamily="18" charset="0"/>
-                              </a:rPr>
-                              <m:t>𝜃</m:t>
-                            </m:r>
-                          </m:e>
-                          <m:sup>
-                            <m:r>
-                              <a:rPr lang="es-ES" b="0" i="1" smtClean="0">
-                                <a:latin typeface="Cambria Math" panose="02040503050406030204" pitchFamily="18" charset="0"/>
-                                <a:ea typeface="Cambria Math" panose="02040503050406030204" pitchFamily="18" charset="0"/>
-                              </a:rPr>
-                              <m:t>′</m:t>
-                            </m:r>
-                          </m:sup>
-                        </m:sSup>
-                      </m:e>
-                    </m:d>
-                    <m:r>
-                      <a:rPr lang="es-ES" b="0" i="1" smtClean="0">
-                        <a:latin typeface="Cambria Math" panose="02040503050406030204" pitchFamily="18" charset="0"/>
-                        <a:ea typeface="Cambria Math" panose="02040503050406030204" pitchFamily="18" charset="0"/>
-                      </a:rPr>
-                      <m:t>?</m:t>
-                    </m:r>
-                  </m:oMath>
-                </a14:m>
-                <a:endParaRPr lang="en-GB" dirty="0"/>
-              </a:p>
-            </p:txBody>
-          </p:sp>
-        </mc:Choice>
-        <mc:Fallback xmlns="">
-          <p:sp>
-            <p:nvSpPr>
-              <p:cNvPr id="2" name="Title 1">
-                <a:extLst>
-                  <a:ext uri="{FF2B5EF4-FFF2-40B4-BE49-F238E27FC236}">
-                    <a16:creationId xmlns:a16="http://schemas.microsoft.com/office/drawing/2014/main" id="{9E28A671-8A7C-29D7-B39F-9FE3F7576BC4}"/>
-                  </a:ext>
-                </a:extLst>
-              </p:cNvPr>
-              <p:cNvSpPr>
-                <a:spLocks noGrp="1" noRot="1" noChangeAspect="1" noMove="1" noResize="1" noEditPoints="1" noAdjustHandles="1" noChangeArrowheads="1" noChangeShapeType="1" noTextEdit="1"/>
-              </p:cNvSpPr>
-              <p:nvPr>
-                <p:ph type="title"/>
-              </p:nvPr>
-            </p:nvSpPr>
-            <p:spPr>
-              <a:blipFill>
-                <a:blip r:embed="rId2"/>
-                <a:stretch>
-                  <a:fillRect l="-2413"/>
-                </a:stretch>
-              </a:blipFill>
-            </p:spPr>
-            <p:txBody>
-              <a:bodyPr/>
-              <a:lstStyle/>
-              <a:p>
-                <a:r>
-                  <a:rPr lang="en-GB">
-                    <a:noFill/>
-                  </a:rPr>
-                  <a:t> </a:t>
-                </a:r>
-              </a:p>
-            </p:txBody>
-          </p:sp>
-        </mc:Fallback>
-      </mc:AlternateContent>
-      <p:pic>
-        <p:nvPicPr>
-          <p:cNvPr id="4" name="Picture 3">
-            <a:extLst>
-              <a:ext uri="{FF2B5EF4-FFF2-40B4-BE49-F238E27FC236}">
-                <a16:creationId xmlns:a16="http://schemas.microsoft.com/office/drawing/2014/main" id="{30139BBC-9EF2-084E-D655-9917AF380DA2}"/>
-              </a:ext>
-            </a:extLst>
-          </p:cNvPr>
-          <p:cNvPicPr>
-            <a:picLocks noChangeAspect="1"/>
-          </p:cNvPicPr>
-          <p:nvPr/>
-        </p:nvPicPr>
-        <p:blipFill>
-          <a:blip r:embed="rId3"/>
-          <a:srcRect b="37011"/>
-          <a:stretch/>
-        </p:blipFill>
-        <p:spPr>
-          <a:xfrm>
-            <a:off x="838200" y="1593850"/>
-            <a:ext cx="8826460" cy="3571274"/>
-          </a:xfrm>
-          <a:prstGeom prst="rect">
-            <a:avLst/>
-          </a:prstGeom>
-        </p:spPr>
-      </p:pic>
-    </p:spTree>
-    <p:extLst>
-      <p:ext uri="{BB962C8B-B14F-4D97-AF65-F5344CB8AC3E}">
-        <p14:creationId xmlns:p14="http://schemas.microsoft.com/office/powerpoint/2010/main" val="2756681987"/>
-      </p:ext>
-    </p:extLst>
-  </p:cSld>
-  <p:clrMapOvr>
-    <a:masterClrMapping/>
-  </p:clrMapOvr>
-</p:sld>
-</file>
-
-<file path=ppt/slides/slide12.xml><?xml version="1.0" encoding="utf-8"?>
-<p:sld xmlns:a="http://schemas.openxmlformats.org/drawingml/2006/main" xmlns:r="http://schemas.openxmlformats.org/officeDocument/2006/relationships" xmlns:p="http://schemas.openxmlformats.org/presentationml/2006/main">
-  <p:cSld>
-    <p:spTree>
-      <p:nvGrpSpPr>
-        <p:cNvPr id="1" name=""/>
-        <p:cNvGrpSpPr/>
-        <p:nvPr/>
-      </p:nvGrpSpPr>
-      <p:grpSpPr>
-        <a:xfrm>
-          <a:off x="0" y="0"/>
-          <a:ext cx="0" cy="0"/>
-          <a:chOff x="0" y="0"/>
-          <a:chExt cx="0" cy="0"/>
-        </a:xfrm>
-      </p:grpSpPr>
       <mc:AlternateContent xmlns:mc="http://schemas.openxmlformats.org/markup-compatibility/2006" xmlns:a14="http://schemas.microsoft.com/office/drawing/2010/main">
         <mc:Choice Requires="a14">
           <p:sp>
@@ -4443,7 +4118,7 @@
 </p:sld>
 </file>
 
-<file path=ppt/slides/slide13.xml><?xml version="1.0" encoding="utf-8"?>
+<file path=ppt/slides/slide11.xml><?xml version="1.0" encoding="utf-8"?>
 <p:sld xmlns:a="http://schemas.openxmlformats.org/drawingml/2006/main" xmlns:r="http://schemas.openxmlformats.org/officeDocument/2006/relationships" xmlns:p="http://schemas.openxmlformats.org/presentationml/2006/main">
   <p:cSld>
     <p:spTree>
@@ -4531,7 +4206,7 @@
 </p:sld>
 </file>
 
-<file path=ppt/slides/slide14.xml><?xml version="1.0" encoding="utf-8"?>
+<file path=ppt/slides/slide12.xml><?xml version="1.0" encoding="utf-8"?>
 <p:sld xmlns:a="http://schemas.openxmlformats.org/drawingml/2006/main" xmlns:r="http://schemas.openxmlformats.org/officeDocument/2006/relationships" xmlns:p="http://schemas.openxmlformats.org/presentationml/2006/main">
   <p:cSld>
     <p:spTree>
@@ -4619,7 +4294,7 @@
 </p:sld>
 </file>
 
-<file path=ppt/slides/slide15.xml><?xml version="1.0" encoding="utf-8"?>
+<file path=ppt/slides/slide13.xml><?xml version="1.0" encoding="utf-8"?>
 <p:sld xmlns:a="http://schemas.openxmlformats.org/drawingml/2006/main" xmlns:r="http://schemas.openxmlformats.org/officeDocument/2006/relationships" xmlns:p="http://schemas.openxmlformats.org/presentationml/2006/main">
   <p:cSld>
     <p:spTree>
@@ -4707,7 +4382,7 @@
 </p:sld>
 </file>
 
-<file path=ppt/slides/slide16.xml><?xml version="1.0" encoding="utf-8"?>
+<file path=ppt/slides/slide14.xml><?xml version="1.0" encoding="utf-8"?>
 <p:sld xmlns:a="http://schemas.openxmlformats.org/drawingml/2006/main" xmlns:r="http://schemas.openxmlformats.org/officeDocument/2006/relationships" xmlns:p="http://schemas.openxmlformats.org/presentationml/2006/main">
   <p:cSld>
     <p:spTree>
@@ -5942,2345 +5617,6 @@
   <p:cSld>
     <p:spTree>
       <p:nvGrpSpPr>
-        <p:cNvPr id="1" name="">
-          <a:extLst>
-            <a:ext uri="{FF2B5EF4-FFF2-40B4-BE49-F238E27FC236}">
-              <a16:creationId xmlns:a16="http://schemas.microsoft.com/office/drawing/2014/main" id="{1A8E4362-F103-E21C-CE80-85D79BBCD466}"/>
-            </a:ext>
-          </a:extLst>
-        </p:cNvPr>
-        <p:cNvGrpSpPr/>
-        <p:nvPr/>
-      </p:nvGrpSpPr>
-      <p:grpSpPr>
-        <a:xfrm>
-          <a:off x="0" y="0"/>
-          <a:ext cx="0" cy="0"/>
-          <a:chOff x="0" y="0"/>
-          <a:chExt cx="0" cy="0"/>
-        </a:xfrm>
-      </p:grpSpPr>
-      <mc:AlternateContent xmlns:mc="http://schemas.openxmlformats.org/markup-compatibility/2006" xmlns:a14="http://schemas.microsoft.com/office/drawing/2010/main">
-        <mc:Choice Requires="a14">
-          <p:sp>
-            <p:nvSpPr>
-              <p:cNvPr id="4" name="Oval 3">
-                <a:extLst>
-                  <a:ext uri="{FF2B5EF4-FFF2-40B4-BE49-F238E27FC236}">
-                    <a16:creationId xmlns:a16="http://schemas.microsoft.com/office/drawing/2014/main" id="{96B32962-D601-F9E1-4841-3F612E8AC2D8}"/>
-                  </a:ext>
-                </a:extLst>
-              </p:cNvPr>
-              <p:cNvSpPr/>
-              <p:nvPr/>
-            </p:nvSpPr>
-            <p:spPr>
-              <a:xfrm>
-                <a:off x="3224463" y="1648326"/>
-                <a:ext cx="1159379" cy="625642"/>
-              </a:xfrm>
-              <a:prstGeom prst="ellipse">
-                <a:avLst/>
-              </a:prstGeom>
-            </p:spPr>
-            <p:style>
-              <a:lnRef idx="2">
-                <a:schemeClr val="dk1"/>
-              </a:lnRef>
-              <a:fillRef idx="1">
-                <a:schemeClr val="lt1"/>
-              </a:fillRef>
-              <a:effectRef idx="0">
-                <a:schemeClr val="dk1"/>
-              </a:effectRef>
-              <a:fontRef idx="minor">
-                <a:schemeClr val="dk1"/>
-              </a:fontRef>
-            </p:style>
-            <p:txBody>
-              <a:bodyPr rtlCol="0" anchor="ctr"/>
-              <a:lstStyle/>
-              <a:p>
-                <a:pPr algn="ctr"/>
-                <a14:m>
-                  <m:oMathPara xmlns:m="http://schemas.openxmlformats.org/officeDocument/2006/math">
-                    <m:oMathParaPr>
-                      <m:jc m:val="centerGroup"/>
-                    </m:oMathParaPr>
-                    <m:oMath xmlns:m="http://schemas.openxmlformats.org/officeDocument/2006/math">
-                      <m:r>
-                        <a:rPr lang="es-ES" i="1" smtClean="0">
-                          <a:latin typeface="Cambria Math" panose="02040503050406030204" pitchFamily="18" charset="0"/>
-                          <a:ea typeface="Cambria Math" panose="02040503050406030204" pitchFamily="18" charset="0"/>
-                        </a:rPr>
-                        <m:t>𝐶</m:t>
-                      </m:r>
-                      <m:r>
-                        <a:rPr lang="es-ES" b="0" i="1" smtClean="0">
-                          <a:latin typeface="Cambria Math" panose="02040503050406030204" pitchFamily="18" charset="0"/>
-                          <a:ea typeface="Cambria Math" panose="02040503050406030204" pitchFamily="18" charset="0"/>
-                        </a:rPr>
-                        <m:t>𝑙𝑢𝑠𝑡𝑒</m:t>
-                      </m:r>
-                      <m:sSub>
-                        <m:sSubPr>
-                          <m:ctrlPr>
-                            <a:rPr lang="es-ES" b="0" i="1" smtClean="0">
-                              <a:latin typeface="Cambria Math" panose="02040503050406030204" pitchFamily="18" charset="0"/>
-                              <a:ea typeface="Cambria Math" panose="02040503050406030204" pitchFamily="18" charset="0"/>
-                            </a:rPr>
-                          </m:ctrlPr>
-                        </m:sSubPr>
-                        <m:e>
-                          <m:r>
-                            <a:rPr lang="es-ES" b="0" i="1" smtClean="0">
-                              <a:latin typeface="Cambria Math" panose="02040503050406030204" pitchFamily="18" charset="0"/>
-                              <a:ea typeface="Cambria Math" panose="02040503050406030204" pitchFamily="18" charset="0"/>
-                            </a:rPr>
-                            <m:t>𝑟</m:t>
-                          </m:r>
-                        </m:e>
-                        <m:sub>
-                          <m:r>
-                            <a:rPr lang="es-ES" b="0" i="1" smtClean="0">
-                              <a:latin typeface="Cambria Math" panose="02040503050406030204" pitchFamily="18" charset="0"/>
-                              <a:ea typeface="Cambria Math" panose="02040503050406030204" pitchFamily="18" charset="0"/>
-                            </a:rPr>
-                            <m:t>0</m:t>
-                          </m:r>
-                        </m:sub>
-                      </m:sSub>
-                    </m:oMath>
-                  </m:oMathPara>
-                </a14:m>
-                <a:endParaRPr lang="es-ES" b="0" dirty="0">
-                  <a:ea typeface="Cambria Math" panose="02040503050406030204" pitchFamily="18" charset="0"/>
-                </a:endParaRPr>
-              </a:p>
-            </p:txBody>
-          </p:sp>
-        </mc:Choice>
-        <mc:Fallback xmlns="">
-          <p:sp>
-            <p:nvSpPr>
-              <p:cNvPr id="4" name="Oval 3">
-                <a:extLst>
-                  <a:ext uri="{FF2B5EF4-FFF2-40B4-BE49-F238E27FC236}">
-                    <a16:creationId xmlns:a16="http://schemas.microsoft.com/office/drawing/2014/main" id="{96B32962-D601-F9E1-4841-3F612E8AC2D8}"/>
-                  </a:ext>
-                </a:extLst>
-              </p:cNvPr>
-              <p:cNvSpPr>
-                <a:spLocks noRot="1" noChangeAspect="1" noMove="1" noResize="1" noEditPoints="1" noAdjustHandles="1" noChangeArrowheads="1" noChangeShapeType="1" noTextEdit="1"/>
-              </p:cNvSpPr>
-              <p:nvPr/>
-            </p:nvSpPr>
-            <p:spPr>
-              <a:xfrm>
-                <a:off x="3224463" y="1648326"/>
-                <a:ext cx="1159379" cy="625642"/>
-              </a:xfrm>
-              <a:prstGeom prst="ellipse">
-                <a:avLst/>
-              </a:prstGeom>
-              <a:blipFill>
-                <a:blip r:embed="rId2"/>
-                <a:stretch>
-                  <a:fillRect/>
-                </a:stretch>
-              </a:blipFill>
-            </p:spPr>
-            <p:txBody>
-              <a:bodyPr/>
-              <a:lstStyle/>
-              <a:p>
-                <a:r>
-                  <a:rPr lang="en-GB">
-                    <a:noFill/>
-                  </a:rPr>
-                  <a:t> </a:t>
-                </a:r>
-              </a:p>
-            </p:txBody>
-          </p:sp>
-        </mc:Fallback>
-      </mc:AlternateContent>
-      <mc:AlternateContent xmlns:mc="http://schemas.openxmlformats.org/markup-compatibility/2006" xmlns:a14="http://schemas.microsoft.com/office/drawing/2010/main">
-        <mc:Choice Requires="a14">
-          <p:sp>
-            <p:nvSpPr>
-              <p:cNvPr id="5" name="Oval 4">
-                <a:extLst>
-                  <a:ext uri="{FF2B5EF4-FFF2-40B4-BE49-F238E27FC236}">
-                    <a16:creationId xmlns:a16="http://schemas.microsoft.com/office/drawing/2014/main" id="{4A787ED6-DAB0-C714-DFA2-52713B226E7D}"/>
-                  </a:ext>
-                </a:extLst>
-              </p:cNvPr>
-              <p:cNvSpPr/>
-              <p:nvPr/>
-            </p:nvSpPr>
-            <p:spPr>
-              <a:xfrm>
-                <a:off x="4961581" y="1648326"/>
-                <a:ext cx="1047872" cy="625642"/>
-              </a:xfrm>
-              <a:prstGeom prst="ellipse">
-                <a:avLst/>
-              </a:prstGeom>
-            </p:spPr>
-            <p:style>
-              <a:lnRef idx="2">
-                <a:schemeClr val="dk1"/>
-              </a:lnRef>
-              <a:fillRef idx="1">
-                <a:schemeClr val="lt1"/>
-              </a:fillRef>
-              <a:effectRef idx="0">
-                <a:schemeClr val="dk1"/>
-              </a:effectRef>
-              <a:fontRef idx="minor">
-                <a:schemeClr val="dk1"/>
-              </a:fontRef>
-            </p:style>
-            <p:txBody>
-              <a:bodyPr rtlCol="0" anchor="ctr"/>
-              <a:lstStyle/>
-              <a:p>
-                <a:pPr algn="ctr"/>
-                <a14:m>
-                  <m:oMathPara xmlns:m="http://schemas.openxmlformats.org/officeDocument/2006/math">
-                    <m:oMathParaPr>
-                      <m:jc m:val="centerGroup"/>
-                    </m:oMathParaPr>
-                    <m:oMath xmlns:m="http://schemas.openxmlformats.org/officeDocument/2006/math">
-                      <m:r>
-                        <a:rPr lang="es-ES" i="1" smtClean="0">
-                          <a:latin typeface="Cambria Math" panose="02040503050406030204" pitchFamily="18" charset="0"/>
-                          <a:ea typeface="Cambria Math" panose="02040503050406030204" pitchFamily="18" charset="0"/>
-                        </a:rPr>
-                        <m:t>𝐶</m:t>
-                      </m:r>
-                      <m:r>
-                        <a:rPr lang="es-ES" b="0" i="1" smtClean="0">
-                          <a:latin typeface="Cambria Math" panose="02040503050406030204" pitchFamily="18" charset="0"/>
-                          <a:ea typeface="Cambria Math" panose="02040503050406030204" pitchFamily="18" charset="0"/>
-                        </a:rPr>
-                        <m:t>𝑙𝑢𝑠𝑡𝑒</m:t>
-                      </m:r>
-                      <m:sSub>
-                        <m:sSubPr>
-                          <m:ctrlPr>
-                            <a:rPr lang="es-ES" b="0" i="1" smtClean="0">
-                              <a:latin typeface="Cambria Math" panose="02040503050406030204" pitchFamily="18" charset="0"/>
-                              <a:ea typeface="Cambria Math" panose="02040503050406030204" pitchFamily="18" charset="0"/>
-                            </a:rPr>
-                          </m:ctrlPr>
-                        </m:sSubPr>
-                        <m:e>
-                          <m:r>
-                            <a:rPr lang="es-ES" b="0" i="1" smtClean="0">
-                              <a:latin typeface="Cambria Math" panose="02040503050406030204" pitchFamily="18" charset="0"/>
-                              <a:ea typeface="Cambria Math" panose="02040503050406030204" pitchFamily="18" charset="0"/>
-                            </a:rPr>
-                            <m:t>𝑟</m:t>
-                          </m:r>
-                        </m:e>
-                        <m:sub>
-                          <m:r>
-                            <a:rPr lang="es-ES" b="0" i="1" smtClean="0">
-                              <a:latin typeface="Cambria Math" panose="02040503050406030204" pitchFamily="18" charset="0"/>
-                              <a:ea typeface="Cambria Math" panose="02040503050406030204" pitchFamily="18" charset="0"/>
-                            </a:rPr>
-                            <m:t>1</m:t>
-                          </m:r>
-                        </m:sub>
-                      </m:sSub>
-                    </m:oMath>
-                  </m:oMathPara>
-                </a14:m>
-                <a:endParaRPr lang="es-ES" b="0" dirty="0">
-                  <a:ea typeface="Cambria Math" panose="02040503050406030204" pitchFamily="18" charset="0"/>
-                </a:endParaRPr>
-              </a:p>
-            </p:txBody>
-          </p:sp>
-        </mc:Choice>
-        <mc:Fallback xmlns="">
-          <p:sp>
-            <p:nvSpPr>
-              <p:cNvPr id="5" name="Oval 4">
-                <a:extLst>
-                  <a:ext uri="{FF2B5EF4-FFF2-40B4-BE49-F238E27FC236}">
-                    <a16:creationId xmlns:a16="http://schemas.microsoft.com/office/drawing/2014/main" id="{4A787ED6-DAB0-C714-DFA2-52713B226E7D}"/>
-                  </a:ext>
-                </a:extLst>
-              </p:cNvPr>
-              <p:cNvSpPr>
-                <a:spLocks noRot="1" noChangeAspect="1" noMove="1" noResize="1" noEditPoints="1" noAdjustHandles="1" noChangeArrowheads="1" noChangeShapeType="1" noTextEdit="1"/>
-              </p:cNvSpPr>
-              <p:nvPr/>
-            </p:nvSpPr>
-            <p:spPr>
-              <a:xfrm>
-                <a:off x="4961581" y="1648326"/>
-                <a:ext cx="1047872" cy="625642"/>
-              </a:xfrm>
-              <a:prstGeom prst="ellipse">
-                <a:avLst/>
-              </a:prstGeom>
-              <a:blipFill>
-                <a:blip r:embed="rId3"/>
-                <a:stretch>
-                  <a:fillRect/>
-                </a:stretch>
-              </a:blipFill>
-            </p:spPr>
-            <p:txBody>
-              <a:bodyPr/>
-              <a:lstStyle/>
-              <a:p>
-                <a:r>
-                  <a:rPr lang="en-GB">
-                    <a:noFill/>
-                  </a:rPr>
-                  <a:t> </a:t>
-                </a:r>
-              </a:p>
-            </p:txBody>
-          </p:sp>
-        </mc:Fallback>
-      </mc:AlternateContent>
-      <mc:AlternateContent xmlns:mc="http://schemas.openxmlformats.org/markup-compatibility/2006" xmlns:a14="http://schemas.microsoft.com/office/drawing/2010/main">
-        <mc:Choice Requires="a14">
-          <p:sp>
-            <p:nvSpPr>
-              <p:cNvPr id="6" name="TextBox 5">
-                <a:extLst>
-                  <a:ext uri="{FF2B5EF4-FFF2-40B4-BE49-F238E27FC236}">
-                    <a16:creationId xmlns:a16="http://schemas.microsoft.com/office/drawing/2014/main" id="{3505F92E-1014-9B92-BF52-8932A32EE93B}"/>
-                  </a:ext>
-                </a:extLst>
-              </p:cNvPr>
-              <p:cNvSpPr txBox="1"/>
-              <p:nvPr/>
-            </p:nvSpPr>
-            <p:spPr>
-              <a:xfrm>
-                <a:off x="6079145" y="1832720"/>
-                <a:ext cx="1814023" cy="276999"/>
-              </a:xfrm>
-              <a:prstGeom prst="rect">
-                <a:avLst/>
-              </a:prstGeom>
-              <a:noFill/>
-            </p:spPr>
-            <p:txBody>
-              <a:bodyPr wrap="none" lIns="0" tIns="0" rIns="0" bIns="0" rtlCol="0">
-                <a:spAutoFit/>
-              </a:bodyPr>
-              <a:lstStyle/>
-              <a:p>
-                <a:pPr/>
-                <a14:m>
-                  <m:oMathPara xmlns:m="http://schemas.openxmlformats.org/officeDocument/2006/math">
-                    <m:oMathParaPr>
-                      <m:jc m:val="centerGroup"/>
-                    </m:oMathParaPr>
-                    <m:oMath xmlns:m="http://schemas.openxmlformats.org/officeDocument/2006/math">
-                      <m:r>
-                        <a:rPr lang="es-ES" b="0" i="1" smtClean="0">
-                          <a:latin typeface="Cambria Math" panose="02040503050406030204" pitchFamily="18" charset="0"/>
-                          <a:ea typeface="Cambria Math" panose="02040503050406030204" pitchFamily="18" charset="0"/>
-                        </a:rPr>
-                        <m:t>~</m:t>
-                      </m:r>
-                      <m:r>
-                        <a:rPr lang="es-ES" b="0" i="1" smtClean="0">
-                          <a:latin typeface="Cambria Math" panose="02040503050406030204" pitchFamily="18" charset="0"/>
-                        </a:rPr>
-                        <m:t>𝑁𝑜𝑟𝑚𝑎𝑙</m:t>
-                      </m:r>
-                      <m:r>
-                        <a:rPr lang="es-ES" b="0" i="1" smtClean="0">
-                          <a:latin typeface="Cambria Math" panose="02040503050406030204" pitchFamily="18" charset="0"/>
-                        </a:rPr>
-                        <m:t>(</m:t>
-                      </m:r>
-                      <m:sSub>
-                        <m:sSubPr>
-                          <m:ctrlPr>
-                            <a:rPr lang="es-ES" b="0" i="1" smtClean="0">
-                              <a:latin typeface="Cambria Math" panose="02040503050406030204" pitchFamily="18" charset="0"/>
-                              <a:ea typeface="Cambria Math" panose="02040503050406030204" pitchFamily="18" charset="0"/>
-                            </a:rPr>
-                          </m:ctrlPr>
-                        </m:sSubPr>
-                        <m:e>
-                          <m:r>
-                            <a:rPr lang="es-ES" b="0" i="1" smtClean="0">
-                              <a:latin typeface="Cambria Math" panose="02040503050406030204" pitchFamily="18" charset="0"/>
-                              <a:ea typeface="Cambria Math" panose="02040503050406030204" pitchFamily="18" charset="0"/>
-                            </a:rPr>
-                            <m:t>𝜇</m:t>
-                          </m:r>
-                        </m:e>
-                        <m:sub>
-                          <m:r>
-                            <a:rPr lang="es-ES" b="0" i="1" smtClean="0">
-                              <a:latin typeface="Cambria Math" panose="02040503050406030204" pitchFamily="18" charset="0"/>
-                              <a:ea typeface="Cambria Math" panose="02040503050406030204" pitchFamily="18" charset="0"/>
-                            </a:rPr>
-                            <m:t>1</m:t>
-                          </m:r>
-                        </m:sub>
-                      </m:sSub>
-                      <m:r>
-                        <a:rPr lang="es-ES" b="0" i="1" smtClean="0">
-                          <a:latin typeface="Cambria Math" panose="02040503050406030204" pitchFamily="18" charset="0"/>
-                          <a:ea typeface="Cambria Math" panose="02040503050406030204" pitchFamily="18" charset="0"/>
-                        </a:rPr>
-                        <m:t>,</m:t>
-                      </m:r>
-                      <m:sSub>
-                        <m:sSubPr>
-                          <m:ctrlPr>
-                            <a:rPr lang="es-ES" b="0" i="1" smtClean="0">
-                              <a:latin typeface="Cambria Math" panose="02040503050406030204" pitchFamily="18" charset="0"/>
-                              <a:ea typeface="Cambria Math" panose="02040503050406030204" pitchFamily="18" charset="0"/>
-                            </a:rPr>
-                          </m:ctrlPr>
-                        </m:sSubPr>
-                        <m:e>
-                          <m:r>
-                            <a:rPr lang="es-ES" i="1">
-                              <a:latin typeface="Cambria Math" panose="02040503050406030204" pitchFamily="18" charset="0"/>
-                            </a:rPr>
-                            <m:t>𝜎</m:t>
-                          </m:r>
-                        </m:e>
-                        <m:sub>
-                          <m:r>
-                            <a:rPr lang="es-ES" b="0" i="1" smtClean="0">
-                              <a:latin typeface="Cambria Math" panose="02040503050406030204" pitchFamily="18" charset="0"/>
-                            </a:rPr>
-                            <m:t>1</m:t>
-                          </m:r>
-                        </m:sub>
-                      </m:sSub>
-                      <m:r>
-                        <a:rPr lang="es-ES" b="0" i="1" smtClean="0">
-                          <a:latin typeface="Cambria Math" panose="02040503050406030204" pitchFamily="18" charset="0"/>
-                        </a:rPr>
-                        <m:t>)</m:t>
-                      </m:r>
-                    </m:oMath>
-                  </m:oMathPara>
-                </a14:m>
-                <a:endParaRPr lang="en-GB" dirty="0"/>
-              </a:p>
-            </p:txBody>
-          </p:sp>
-        </mc:Choice>
-        <mc:Fallback xmlns="">
-          <p:sp>
-            <p:nvSpPr>
-              <p:cNvPr id="6" name="TextBox 5">
-                <a:extLst>
-                  <a:ext uri="{FF2B5EF4-FFF2-40B4-BE49-F238E27FC236}">
-                    <a16:creationId xmlns:a16="http://schemas.microsoft.com/office/drawing/2014/main" id="{3505F92E-1014-9B92-BF52-8932A32EE93B}"/>
-                  </a:ext>
-                </a:extLst>
-              </p:cNvPr>
-              <p:cNvSpPr txBox="1">
-                <a:spLocks noRot="1" noChangeAspect="1" noMove="1" noResize="1" noEditPoints="1" noAdjustHandles="1" noChangeArrowheads="1" noChangeShapeType="1" noTextEdit="1"/>
-              </p:cNvSpPr>
-              <p:nvPr/>
-            </p:nvSpPr>
-            <p:spPr>
-              <a:xfrm>
-                <a:off x="6079145" y="1832720"/>
-                <a:ext cx="1814023" cy="276999"/>
-              </a:xfrm>
-              <a:prstGeom prst="rect">
-                <a:avLst/>
-              </a:prstGeom>
-              <a:blipFill>
-                <a:blip r:embed="rId4"/>
-                <a:stretch>
-                  <a:fillRect r="-2083" b="-34783"/>
-                </a:stretch>
-              </a:blipFill>
-            </p:spPr>
-            <p:txBody>
-              <a:bodyPr/>
-              <a:lstStyle/>
-              <a:p>
-                <a:r>
-                  <a:rPr lang="en-GB">
-                    <a:noFill/>
-                  </a:rPr>
-                  <a:t> </a:t>
-                </a:r>
-              </a:p>
-            </p:txBody>
-          </p:sp>
-        </mc:Fallback>
-      </mc:AlternateContent>
-      <p:sp>
-        <p:nvSpPr>
-          <p:cNvPr id="8" name="Oval 7">
-            <a:extLst>
-              <a:ext uri="{FF2B5EF4-FFF2-40B4-BE49-F238E27FC236}">
-                <a16:creationId xmlns:a16="http://schemas.microsoft.com/office/drawing/2014/main" id="{FF8C343C-1F62-0C62-70A7-4CC248D84701}"/>
-              </a:ext>
-            </a:extLst>
-          </p:cNvPr>
-          <p:cNvSpPr/>
-          <p:nvPr/>
-        </p:nvSpPr>
-        <p:spPr>
-          <a:xfrm>
-            <a:off x="3589634" y="3525252"/>
-            <a:ext cx="1811706" cy="517358"/>
-          </a:xfrm>
-          <a:prstGeom prst="ellipse">
-            <a:avLst/>
-          </a:prstGeom>
-        </p:spPr>
-        <p:style>
-          <a:lnRef idx="2">
-            <a:schemeClr val="dk1"/>
-          </a:lnRef>
-          <a:fillRef idx="1">
-            <a:schemeClr val="lt1"/>
-          </a:fillRef>
-          <a:effectRef idx="0">
-            <a:schemeClr val="dk1"/>
-          </a:effectRef>
-          <a:fontRef idx="minor">
-            <a:schemeClr val="dk1"/>
-          </a:fontRef>
-        </p:style>
-        <p:txBody>
-          <a:bodyPr rtlCol="0" anchor="ctr"/>
-          <a:lstStyle/>
-          <a:p>
-            <a:pPr algn="ctr"/>
-            <a:r>
-              <a:rPr lang="en-GB" dirty="0"/>
-              <a:t>Observed data</a:t>
-            </a:r>
-          </a:p>
-        </p:txBody>
-      </p:sp>
-      <p:cxnSp>
-        <p:nvCxnSpPr>
-          <p:cNvPr id="11" name="Straight Arrow Connector 10">
-            <a:extLst>
-              <a:ext uri="{FF2B5EF4-FFF2-40B4-BE49-F238E27FC236}">
-                <a16:creationId xmlns:a16="http://schemas.microsoft.com/office/drawing/2014/main" id="{83344948-5F1B-3889-ED4F-C2721CBF0F4A}"/>
-              </a:ext>
-            </a:extLst>
-          </p:cNvPr>
-          <p:cNvCxnSpPr>
-            <a:cxnSpLocks/>
-            <a:stCxn id="4" idx="4"/>
-            <a:endCxn id="8" idx="0"/>
-          </p:cNvCxnSpPr>
-          <p:nvPr/>
-        </p:nvCxnSpPr>
-        <p:spPr>
-          <a:xfrm>
-            <a:off x="3804153" y="2273968"/>
-            <a:ext cx="691334" cy="1251284"/>
-          </a:xfrm>
-          <a:prstGeom prst="straightConnector1">
-            <a:avLst/>
-          </a:prstGeom>
-          <a:ln>
-            <a:tailEnd type="triangle"/>
-          </a:ln>
-        </p:spPr>
-        <p:style>
-          <a:lnRef idx="2">
-            <a:schemeClr val="accent1"/>
-          </a:lnRef>
-          <a:fillRef idx="0">
-            <a:schemeClr val="accent1"/>
-          </a:fillRef>
-          <a:effectRef idx="1">
-            <a:schemeClr val="accent1"/>
-          </a:effectRef>
-          <a:fontRef idx="minor">
-            <a:schemeClr val="tx1"/>
-          </a:fontRef>
-        </p:style>
-      </p:cxnSp>
-      <p:cxnSp>
-        <p:nvCxnSpPr>
-          <p:cNvPr id="13" name="Straight Arrow Connector 12">
-            <a:extLst>
-              <a:ext uri="{FF2B5EF4-FFF2-40B4-BE49-F238E27FC236}">
-                <a16:creationId xmlns:a16="http://schemas.microsoft.com/office/drawing/2014/main" id="{0AFD6968-E17D-DA72-778E-F5EA57FCAD58}"/>
-              </a:ext>
-            </a:extLst>
-          </p:cNvPr>
-          <p:cNvCxnSpPr>
-            <a:cxnSpLocks/>
-            <a:stCxn id="5" idx="4"/>
-            <a:endCxn id="8" idx="0"/>
-          </p:cNvCxnSpPr>
-          <p:nvPr/>
-        </p:nvCxnSpPr>
-        <p:spPr>
-          <a:xfrm flipH="1">
-            <a:off x="4495487" y="2273968"/>
-            <a:ext cx="990030" cy="1251284"/>
-          </a:xfrm>
-          <a:prstGeom prst="straightConnector1">
-            <a:avLst/>
-          </a:prstGeom>
-          <a:ln>
-            <a:tailEnd type="triangle"/>
-          </a:ln>
-        </p:spPr>
-        <p:style>
-          <a:lnRef idx="2">
-            <a:schemeClr val="accent1"/>
-          </a:lnRef>
-          <a:fillRef idx="0">
-            <a:schemeClr val="accent1"/>
-          </a:fillRef>
-          <a:effectRef idx="1">
-            <a:schemeClr val="accent1"/>
-          </a:effectRef>
-          <a:fontRef idx="minor">
-            <a:schemeClr val="tx1"/>
-          </a:fontRef>
-        </p:style>
-      </p:cxnSp>
-      <p:sp>
-        <p:nvSpPr>
-          <p:cNvPr id="14" name="Down Arrow 13">
-            <a:extLst>
-              <a:ext uri="{FF2B5EF4-FFF2-40B4-BE49-F238E27FC236}">
-                <a16:creationId xmlns:a16="http://schemas.microsoft.com/office/drawing/2014/main" id="{B730CD02-8134-F74C-56D8-050BC14B0715}"/>
-              </a:ext>
-            </a:extLst>
-          </p:cNvPr>
-          <p:cNvSpPr/>
-          <p:nvPr/>
-        </p:nvSpPr>
-        <p:spPr>
-          <a:xfrm rot="10800000">
-            <a:off x="8506325" y="631589"/>
-            <a:ext cx="216569" cy="3411020"/>
-          </a:xfrm>
-          <a:prstGeom prst="downArrow">
-            <a:avLst/>
-          </a:prstGeom>
-        </p:spPr>
-        <p:style>
-          <a:lnRef idx="2">
-            <a:schemeClr val="accent1">
-              <a:shade val="15000"/>
-            </a:schemeClr>
-          </a:lnRef>
-          <a:fillRef idx="1">
-            <a:schemeClr val="accent1"/>
-          </a:fillRef>
-          <a:effectRef idx="0">
-            <a:schemeClr val="accent1"/>
-          </a:effectRef>
-          <a:fontRef idx="minor">
-            <a:schemeClr val="lt1"/>
-          </a:fontRef>
-        </p:style>
-        <p:txBody>
-          <a:bodyPr rtlCol="0" anchor="ctr"/>
-          <a:lstStyle/>
-          <a:p>
-            <a:pPr algn="ctr"/>
-            <a:endParaRPr lang="en-GB"/>
-          </a:p>
-        </p:txBody>
-      </p:sp>
-      <mc:AlternateContent xmlns:mc="http://schemas.openxmlformats.org/markup-compatibility/2006" xmlns:a14="http://schemas.microsoft.com/office/drawing/2010/main">
-        <mc:Choice Requires="a14">
-          <p:sp>
-            <p:nvSpPr>
-              <p:cNvPr id="20" name="Oval 19">
-                <a:extLst>
-                  <a:ext uri="{FF2B5EF4-FFF2-40B4-BE49-F238E27FC236}">
-                    <a16:creationId xmlns:a16="http://schemas.microsoft.com/office/drawing/2014/main" id="{5562FB12-E8E5-4B5B-16C8-6A7E12EA2677}"/>
-                  </a:ext>
-                </a:extLst>
-              </p:cNvPr>
-              <p:cNvSpPr/>
-              <p:nvPr/>
-            </p:nvSpPr>
-            <p:spPr>
-              <a:xfrm>
-                <a:off x="4149820" y="397042"/>
-                <a:ext cx="1159379" cy="625642"/>
-              </a:xfrm>
-              <a:prstGeom prst="ellipse">
-                <a:avLst/>
-              </a:prstGeom>
-            </p:spPr>
-            <p:style>
-              <a:lnRef idx="2">
-                <a:schemeClr val="dk1"/>
-              </a:lnRef>
-              <a:fillRef idx="1">
-                <a:schemeClr val="lt1"/>
-              </a:fillRef>
-              <a:effectRef idx="0">
-                <a:schemeClr val="dk1"/>
-              </a:effectRef>
-              <a:fontRef idx="minor">
-                <a:schemeClr val="dk1"/>
-              </a:fontRef>
-            </p:style>
-            <p:txBody>
-              <a:bodyPr rtlCol="0" anchor="ctr"/>
-              <a:lstStyle/>
-              <a:p>
-                <a:pPr algn="ctr"/>
-                <a14:m>
-                  <m:oMathPara xmlns:m="http://schemas.openxmlformats.org/officeDocument/2006/math">
-                    <m:oMathParaPr>
-                      <m:jc m:val="centerGroup"/>
-                    </m:oMathParaPr>
-                    <m:oMath xmlns:m="http://schemas.openxmlformats.org/officeDocument/2006/math">
-                      <m:r>
-                        <a:rPr lang="es-ES" i="1" smtClean="0">
-                          <a:latin typeface="Cambria Math" panose="02040503050406030204" pitchFamily="18" charset="0"/>
-                          <a:ea typeface="Cambria Math" panose="02040503050406030204" pitchFamily="18" charset="0"/>
-                        </a:rPr>
-                        <m:t>𝑝</m:t>
-                      </m:r>
-                    </m:oMath>
-                  </m:oMathPara>
-                </a14:m>
-                <a:endParaRPr lang="es-ES" b="0" dirty="0">
-                  <a:ea typeface="Cambria Math" panose="02040503050406030204" pitchFamily="18" charset="0"/>
-                </a:endParaRPr>
-              </a:p>
-            </p:txBody>
-          </p:sp>
-        </mc:Choice>
-        <mc:Fallback xmlns="">
-          <p:sp>
-            <p:nvSpPr>
-              <p:cNvPr id="20" name="Oval 19">
-                <a:extLst>
-                  <a:ext uri="{FF2B5EF4-FFF2-40B4-BE49-F238E27FC236}">
-                    <a16:creationId xmlns:a16="http://schemas.microsoft.com/office/drawing/2014/main" id="{5562FB12-E8E5-4B5B-16C8-6A7E12EA2677}"/>
-                  </a:ext>
-                </a:extLst>
-              </p:cNvPr>
-              <p:cNvSpPr>
-                <a:spLocks noRot="1" noChangeAspect="1" noMove="1" noResize="1" noEditPoints="1" noAdjustHandles="1" noChangeArrowheads="1" noChangeShapeType="1" noTextEdit="1"/>
-              </p:cNvSpPr>
-              <p:nvPr/>
-            </p:nvSpPr>
-            <p:spPr>
-              <a:xfrm>
-                <a:off x="4149820" y="397042"/>
-                <a:ext cx="1159379" cy="625642"/>
-              </a:xfrm>
-              <a:prstGeom prst="ellipse">
-                <a:avLst/>
-              </a:prstGeom>
-              <a:blipFill>
-                <a:blip r:embed="rId5"/>
-                <a:stretch>
-                  <a:fillRect/>
-                </a:stretch>
-              </a:blipFill>
-            </p:spPr>
-            <p:txBody>
-              <a:bodyPr/>
-              <a:lstStyle/>
-              <a:p>
-                <a:r>
-                  <a:rPr lang="en-GB">
-                    <a:noFill/>
-                  </a:rPr>
-                  <a:t> </a:t>
-                </a:r>
-              </a:p>
-            </p:txBody>
-          </p:sp>
-        </mc:Fallback>
-      </mc:AlternateContent>
-      <p:cxnSp>
-        <p:nvCxnSpPr>
-          <p:cNvPr id="22" name="Straight Arrow Connector 21">
-            <a:extLst>
-              <a:ext uri="{FF2B5EF4-FFF2-40B4-BE49-F238E27FC236}">
-                <a16:creationId xmlns:a16="http://schemas.microsoft.com/office/drawing/2014/main" id="{A58E640E-A7FC-C8F3-13A6-41B8F27B390E}"/>
-              </a:ext>
-            </a:extLst>
-          </p:cNvPr>
-          <p:cNvCxnSpPr>
-            <a:stCxn id="20" idx="4"/>
-            <a:endCxn id="4" idx="0"/>
-          </p:cNvCxnSpPr>
-          <p:nvPr/>
-        </p:nvCxnSpPr>
-        <p:spPr>
-          <a:xfrm flipH="1">
-            <a:off x="3804153" y="1022684"/>
-            <a:ext cx="925357" cy="625642"/>
-          </a:xfrm>
-          <a:prstGeom prst="straightConnector1">
-            <a:avLst/>
-          </a:prstGeom>
-          <a:ln>
-            <a:tailEnd type="triangle"/>
-          </a:ln>
-        </p:spPr>
-        <p:style>
-          <a:lnRef idx="2">
-            <a:schemeClr val="accent1"/>
-          </a:lnRef>
-          <a:fillRef idx="0">
-            <a:schemeClr val="accent1"/>
-          </a:fillRef>
-          <a:effectRef idx="1">
-            <a:schemeClr val="accent1"/>
-          </a:effectRef>
-          <a:fontRef idx="minor">
-            <a:schemeClr val="tx1"/>
-          </a:fontRef>
-        </p:style>
-      </p:cxnSp>
-      <p:cxnSp>
-        <p:nvCxnSpPr>
-          <p:cNvPr id="24" name="Straight Arrow Connector 23">
-            <a:extLst>
-              <a:ext uri="{FF2B5EF4-FFF2-40B4-BE49-F238E27FC236}">
-                <a16:creationId xmlns:a16="http://schemas.microsoft.com/office/drawing/2014/main" id="{87A39196-8A1D-8EB1-7017-12A846A74EBD}"/>
-              </a:ext>
-            </a:extLst>
-          </p:cNvPr>
-          <p:cNvCxnSpPr>
-            <a:stCxn id="20" idx="4"/>
-            <a:endCxn id="5" idx="0"/>
-          </p:cNvCxnSpPr>
-          <p:nvPr/>
-        </p:nvCxnSpPr>
-        <p:spPr>
-          <a:xfrm>
-            <a:off x="4729510" y="1022684"/>
-            <a:ext cx="756007" cy="625642"/>
-          </a:xfrm>
-          <a:prstGeom prst="straightConnector1">
-            <a:avLst/>
-          </a:prstGeom>
-          <a:ln>
-            <a:tailEnd type="triangle"/>
-          </a:ln>
-        </p:spPr>
-        <p:style>
-          <a:lnRef idx="2">
-            <a:schemeClr val="accent1"/>
-          </a:lnRef>
-          <a:fillRef idx="0">
-            <a:schemeClr val="accent1"/>
-          </a:fillRef>
-          <a:effectRef idx="1">
-            <a:schemeClr val="accent1"/>
-          </a:effectRef>
-          <a:fontRef idx="minor">
-            <a:schemeClr val="tx1"/>
-          </a:fontRef>
-        </p:style>
-      </p:cxnSp>
-      <mc:AlternateContent xmlns:mc="http://schemas.openxmlformats.org/markup-compatibility/2006" xmlns:a14="http://schemas.microsoft.com/office/drawing/2010/main">
-        <mc:Choice Requires="a14">
-          <p:sp>
-            <p:nvSpPr>
-              <p:cNvPr id="25" name="TextBox 24">
-                <a:extLst>
-                  <a:ext uri="{FF2B5EF4-FFF2-40B4-BE49-F238E27FC236}">
-                    <a16:creationId xmlns:a16="http://schemas.microsoft.com/office/drawing/2014/main" id="{0955D474-F58B-6EFB-F54A-B73540586DE9}"/>
-                  </a:ext>
-                </a:extLst>
-              </p:cNvPr>
-              <p:cNvSpPr txBox="1"/>
-              <p:nvPr/>
-            </p:nvSpPr>
-            <p:spPr>
-              <a:xfrm>
-                <a:off x="1235101" y="1822646"/>
-                <a:ext cx="1814023" cy="276999"/>
-              </a:xfrm>
-              <a:prstGeom prst="rect">
-                <a:avLst/>
-              </a:prstGeom>
-              <a:noFill/>
-            </p:spPr>
-            <p:txBody>
-              <a:bodyPr wrap="none" lIns="0" tIns="0" rIns="0" bIns="0" rtlCol="0">
-                <a:spAutoFit/>
-              </a:bodyPr>
-              <a:lstStyle/>
-              <a:p>
-                <a:pPr/>
-                <a14:m>
-                  <m:oMathPara xmlns:m="http://schemas.openxmlformats.org/officeDocument/2006/math">
-                    <m:oMathParaPr>
-                      <m:jc m:val="centerGroup"/>
-                    </m:oMathParaPr>
-                    <m:oMath xmlns:m="http://schemas.openxmlformats.org/officeDocument/2006/math">
-                      <m:r>
-                        <a:rPr lang="es-ES" b="0" i="1" smtClean="0">
-                          <a:latin typeface="Cambria Math" panose="02040503050406030204" pitchFamily="18" charset="0"/>
-                        </a:rPr>
-                        <m:t>𝑁𝑜𝑟𝑚𝑎𝑙</m:t>
-                      </m:r>
-                      <m:r>
-                        <a:rPr lang="es-ES" b="0" i="1" smtClean="0">
-                          <a:latin typeface="Cambria Math" panose="02040503050406030204" pitchFamily="18" charset="0"/>
-                        </a:rPr>
-                        <m:t>(</m:t>
-                      </m:r>
-                      <m:sSub>
-                        <m:sSubPr>
-                          <m:ctrlPr>
-                            <a:rPr lang="es-ES" b="0" i="1" smtClean="0">
-                              <a:latin typeface="Cambria Math" panose="02040503050406030204" pitchFamily="18" charset="0"/>
-                              <a:ea typeface="Cambria Math" panose="02040503050406030204" pitchFamily="18" charset="0"/>
-                            </a:rPr>
-                          </m:ctrlPr>
-                        </m:sSubPr>
-                        <m:e>
-                          <m:r>
-                            <a:rPr lang="es-ES" b="0" i="1" smtClean="0">
-                              <a:latin typeface="Cambria Math" panose="02040503050406030204" pitchFamily="18" charset="0"/>
-                              <a:ea typeface="Cambria Math" panose="02040503050406030204" pitchFamily="18" charset="0"/>
-                            </a:rPr>
-                            <m:t>𝜇</m:t>
-                          </m:r>
-                        </m:e>
-                        <m:sub>
-                          <m:r>
-                            <a:rPr lang="es-ES" b="0" i="1" smtClean="0">
-                              <a:latin typeface="Cambria Math" panose="02040503050406030204" pitchFamily="18" charset="0"/>
-                              <a:ea typeface="Cambria Math" panose="02040503050406030204" pitchFamily="18" charset="0"/>
-                            </a:rPr>
-                            <m:t>0</m:t>
-                          </m:r>
-                        </m:sub>
-                      </m:sSub>
-                      <m:r>
-                        <a:rPr lang="es-ES" b="0" i="1" smtClean="0">
-                          <a:latin typeface="Cambria Math" panose="02040503050406030204" pitchFamily="18" charset="0"/>
-                          <a:ea typeface="Cambria Math" panose="02040503050406030204" pitchFamily="18" charset="0"/>
-                        </a:rPr>
-                        <m:t>,</m:t>
-                      </m:r>
-                      <m:sSub>
-                        <m:sSubPr>
-                          <m:ctrlPr>
-                            <a:rPr lang="es-ES" b="0" i="1" smtClean="0">
-                              <a:latin typeface="Cambria Math" panose="02040503050406030204" pitchFamily="18" charset="0"/>
-                              <a:ea typeface="Cambria Math" panose="02040503050406030204" pitchFamily="18" charset="0"/>
-                            </a:rPr>
-                          </m:ctrlPr>
-                        </m:sSubPr>
-                        <m:e>
-                          <m:r>
-                            <a:rPr lang="es-ES" i="1">
-                              <a:latin typeface="Cambria Math" panose="02040503050406030204" pitchFamily="18" charset="0"/>
-                            </a:rPr>
-                            <m:t>𝜎</m:t>
-                          </m:r>
-                        </m:e>
-                        <m:sub>
-                          <m:r>
-                            <a:rPr lang="es-ES" b="0" i="1" smtClean="0">
-                              <a:latin typeface="Cambria Math" panose="02040503050406030204" pitchFamily="18" charset="0"/>
-                            </a:rPr>
-                            <m:t>0</m:t>
-                          </m:r>
-                        </m:sub>
-                      </m:sSub>
-                      <m:r>
-                        <a:rPr lang="es-ES" b="0" i="1" smtClean="0">
-                          <a:latin typeface="Cambria Math" panose="02040503050406030204" pitchFamily="18" charset="0"/>
-                        </a:rPr>
-                        <m:t>)</m:t>
-                      </m:r>
-                      <m:r>
-                        <a:rPr lang="es-ES" b="0" i="1" smtClean="0">
-                          <a:latin typeface="Cambria Math" panose="02040503050406030204" pitchFamily="18" charset="0"/>
-                          <a:ea typeface="Cambria Math" panose="02040503050406030204" pitchFamily="18" charset="0"/>
-                        </a:rPr>
-                        <m:t>~</m:t>
-                      </m:r>
-                    </m:oMath>
-                  </m:oMathPara>
-                </a14:m>
-                <a:endParaRPr lang="en-GB" dirty="0"/>
-              </a:p>
-            </p:txBody>
-          </p:sp>
-        </mc:Choice>
-        <mc:Fallback xmlns="">
-          <p:sp>
-            <p:nvSpPr>
-              <p:cNvPr id="25" name="TextBox 24">
-                <a:extLst>
-                  <a:ext uri="{FF2B5EF4-FFF2-40B4-BE49-F238E27FC236}">
-                    <a16:creationId xmlns:a16="http://schemas.microsoft.com/office/drawing/2014/main" id="{0955D474-F58B-6EFB-F54A-B73540586DE9}"/>
-                  </a:ext>
-                </a:extLst>
-              </p:cNvPr>
-              <p:cNvSpPr txBox="1">
-                <a:spLocks noRot="1" noChangeAspect="1" noMove="1" noResize="1" noEditPoints="1" noAdjustHandles="1" noChangeArrowheads="1" noChangeShapeType="1" noTextEdit="1"/>
-              </p:cNvSpPr>
-              <p:nvPr/>
-            </p:nvSpPr>
-            <p:spPr>
-              <a:xfrm>
-                <a:off x="1235101" y="1822646"/>
-                <a:ext cx="1814023" cy="276999"/>
-              </a:xfrm>
-              <a:prstGeom prst="rect">
-                <a:avLst/>
-              </a:prstGeom>
-              <a:blipFill>
-                <a:blip r:embed="rId6"/>
-                <a:stretch>
-                  <a:fillRect l="-1389" b="-34783"/>
-                </a:stretch>
-              </a:blipFill>
-            </p:spPr>
-            <p:txBody>
-              <a:bodyPr/>
-              <a:lstStyle/>
-              <a:p>
-                <a:r>
-                  <a:rPr lang="en-GB">
-                    <a:noFill/>
-                  </a:rPr>
-                  <a:t> </a:t>
-                </a:r>
-              </a:p>
-            </p:txBody>
-          </p:sp>
-        </mc:Fallback>
-      </mc:AlternateContent>
-      <mc:AlternateContent xmlns:mc="http://schemas.openxmlformats.org/markup-compatibility/2006" xmlns:a14="http://schemas.microsoft.com/office/drawing/2010/main">
-        <mc:Choice Requires="a14">
-          <p:sp>
-            <p:nvSpPr>
-              <p:cNvPr id="26" name="TextBox 25">
-                <a:extLst>
-                  <a:ext uri="{FF2B5EF4-FFF2-40B4-BE49-F238E27FC236}">
-                    <a16:creationId xmlns:a16="http://schemas.microsoft.com/office/drawing/2014/main" id="{8D98AD08-4ED4-3252-E8B4-3C9BF37AA6F0}"/>
-                  </a:ext>
-                </a:extLst>
-              </p:cNvPr>
-              <p:cNvSpPr txBox="1"/>
-              <p:nvPr/>
-            </p:nvSpPr>
-            <p:spPr>
-              <a:xfrm>
-                <a:off x="5424054" y="545341"/>
-                <a:ext cx="1631024" cy="276999"/>
-              </a:xfrm>
-              <a:prstGeom prst="rect">
-                <a:avLst/>
-              </a:prstGeom>
-              <a:noFill/>
-            </p:spPr>
-            <p:txBody>
-              <a:bodyPr wrap="none" lIns="0" tIns="0" rIns="0" bIns="0" rtlCol="0">
-                <a:spAutoFit/>
-              </a:bodyPr>
-              <a:lstStyle/>
-              <a:p>
-                <a:pPr/>
-                <a14:m>
-                  <m:oMathPara xmlns:m="http://schemas.openxmlformats.org/officeDocument/2006/math">
-                    <m:oMathParaPr>
-                      <m:jc m:val="centerGroup"/>
-                    </m:oMathParaPr>
-                    <m:oMath xmlns:m="http://schemas.openxmlformats.org/officeDocument/2006/math">
-                      <m:r>
-                        <a:rPr lang="es-ES" b="0" i="1" smtClean="0">
-                          <a:latin typeface="Cambria Math" panose="02040503050406030204" pitchFamily="18" charset="0"/>
-                          <a:ea typeface="Cambria Math" panose="02040503050406030204" pitchFamily="18" charset="0"/>
-                        </a:rPr>
-                        <m:t>~</m:t>
-                      </m:r>
-                      <m:r>
-                        <a:rPr lang="es-ES" b="0" i="1" smtClean="0">
-                          <a:latin typeface="Cambria Math" panose="02040503050406030204" pitchFamily="18" charset="0"/>
-                        </a:rPr>
-                        <m:t>𝑈𝑛𝑖𝑓𝑜𝑟𝑚</m:t>
-                      </m:r>
-                      <m:r>
-                        <a:rPr lang="es-ES" b="0" i="1" smtClean="0">
-                          <a:latin typeface="Cambria Math" panose="02040503050406030204" pitchFamily="18" charset="0"/>
-                        </a:rPr>
-                        <m:t>(0,1)</m:t>
-                      </m:r>
-                    </m:oMath>
-                  </m:oMathPara>
-                </a14:m>
-                <a:endParaRPr lang="en-GB" dirty="0"/>
-              </a:p>
-            </p:txBody>
-          </p:sp>
-        </mc:Choice>
-        <mc:Fallback xmlns="">
-          <p:sp>
-            <p:nvSpPr>
-              <p:cNvPr id="26" name="TextBox 25">
-                <a:extLst>
-                  <a:ext uri="{FF2B5EF4-FFF2-40B4-BE49-F238E27FC236}">
-                    <a16:creationId xmlns:a16="http://schemas.microsoft.com/office/drawing/2014/main" id="{8D98AD08-4ED4-3252-E8B4-3C9BF37AA6F0}"/>
-                  </a:ext>
-                </a:extLst>
-              </p:cNvPr>
-              <p:cNvSpPr txBox="1">
-                <a:spLocks noRot="1" noChangeAspect="1" noMove="1" noResize="1" noEditPoints="1" noAdjustHandles="1" noChangeArrowheads="1" noChangeShapeType="1" noTextEdit="1"/>
-              </p:cNvSpPr>
-              <p:nvPr/>
-            </p:nvSpPr>
-            <p:spPr>
-              <a:xfrm>
-                <a:off x="5424054" y="545341"/>
-                <a:ext cx="1631024" cy="276999"/>
-              </a:xfrm>
-              <a:prstGeom prst="rect">
-                <a:avLst/>
-              </a:prstGeom>
-              <a:blipFill>
-                <a:blip r:embed="rId7"/>
-                <a:stretch>
-                  <a:fillRect l="-1550" r="-4651" b="-34783"/>
-                </a:stretch>
-              </a:blipFill>
-            </p:spPr>
-            <p:txBody>
-              <a:bodyPr/>
-              <a:lstStyle/>
-              <a:p>
-                <a:r>
-                  <a:rPr lang="en-GB">
-                    <a:noFill/>
-                  </a:rPr>
-                  <a:t> </a:t>
-                </a:r>
-              </a:p>
-            </p:txBody>
-          </p:sp>
-        </mc:Fallback>
-      </mc:AlternateContent>
-    </p:spTree>
-    <p:extLst>
-      <p:ext uri="{BB962C8B-B14F-4D97-AF65-F5344CB8AC3E}">
-        <p14:creationId xmlns:p14="http://schemas.microsoft.com/office/powerpoint/2010/main" val="2615816558"/>
-      </p:ext>
-    </p:extLst>
-  </p:cSld>
-  <p:clrMapOvr>
-    <a:masterClrMapping/>
-  </p:clrMapOvr>
-</p:sld>
-</file>
-
-<file path=ppt/slides/slide4.xml><?xml version="1.0" encoding="utf-8"?>
-<p:sld xmlns:a="http://schemas.openxmlformats.org/drawingml/2006/main" xmlns:r="http://schemas.openxmlformats.org/officeDocument/2006/relationships" xmlns:p="http://schemas.openxmlformats.org/presentationml/2006/main">
-  <p:cSld>
-    <p:spTree>
-      <p:nvGrpSpPr>
-        <p:cNvPr id="1" name="">
-          <a:extLst>
-            <a:ext uri="{FF2B5EF4-FFF2-40B4-BE49-F238E27FC236}">
-              <a16:creationId xmlns:a16="http://schemas.microsoft.com/office/drawing/2014/main" id="{4091639E-F875-65BB-BD6B-E07E8A6DE474}"/>
-            </a:ext>
-          </a:extLst>
-        </p:cNvPr>
-        <p:cNvGrpSpPr/>
-        <p:nvPr/>
-      </p:nvGrpSpPr>
-      <p:grpSpPr>
-        <a:xfrm>
-          <a:off x="0" y="0"/>
-          <a:ext cx="0" cy="0"/>
-          <a:chOff x="0" y="0"/>
-          <a:chExt cx="0" cy="0"/>
-        </a:xfrm>
-      </p:grpSpPr>
-      <mc:AlternateContent xmlns:mc="http://schemas.openxmlformats.org/markup-compatibility/2006" xmlns:a14="http://schemas.microsoft.com/office/drawing/2010/main">
-        <mc:Choice Requires="a14">
-          <p:sp>
-            <p:nvSpPr>
-              <p:cNvPr id="4" name="Oval 3">
-                <a:extLst>
-                  <a:ext uri="{FF2B5EF4-FFF2-40B4-BE49-F238E27FC236}">
-                    <a16:creationId xmlns:a16="http://schemas.microsoft.com/office/drawing/2014/main" id="{C5B2BE40-3099-3BE6-C3A5-D0005E7618A7}"/>
-                  </a:ext>
-                </a:extLst>
-              </p:cNvPr>
-              <p:cNvSpPr/>
-              <p:nvPr/>
-            </p:nvSpPr>
-            <p:spPr>
-              <a:xfrm>
-                <a:off x="3090162" y="2337099"/>
-                <a:ext cx="1159379" cy="625642"/>
-              </a:xfrm>
-              <a:prstGeom prst="ellipse">
-                <a:avLst/>
-              </a:prstGeom>
-            </p:spPr>
-            <p:style>
-              <a:lnRef idx="2">
-                <a:schemeClr val="dk1"/>
-              </a:lnRef>
-              <a:fillRef idx="1">
-                <a:schemeClr val="lt1"/>
-              </a:fillRef>
-              <a:effectRef idx="0">
-                <a:schemeClr val="dk1"/>
-              </a:effectRef>
-              <a:fontRef idx="minor">
-                <a:schemeClr val="dk1"/>
-              </a:fontRef>
-            </p:style>
-            <p:txBody>
-              <a:bodyPr rtlCol="0" anchor="ctr"/>
-              <a:lstStyle/>
-              <a:p>
-                <a:pPr algn="ctr"/>
-                <a14:m>
-                  <m:oMathPara xmlns:m="http://schemas.openxmlformats.org/officeDocument/2006/math">
-                    <m:oMathParaPr>
-                      <m:jc m:val="centerGroup"/>
-                    </m:oMathParaPr>
-                    <m:oMath xmlns:m="http://schemas.openxmlformats.org/officeDocument/2006/math">
-                      <m:r>
-                        <a:rPr lang="es-ES" i="1" smtClean="0">
-                          <a:latin typeface="Cambria Math" panose="02040503050406030204" pitchFamily="18" charset="0"/>
-                          <a:ea typeface="Cambria Math" panose="02040503050406030204" pitchFamily="18" charset="0"/>
-                        </a:rPr>
-                        <m:t>𝐶</m:t>
-                      </m:r>
-                      <m:r>
-                        <a:rPr lang="es-ES" b="0" i="1" smtClean="0">
-                          <a:latin typeface="Cambria Math" panose="02040503050406030204" pitchFamily="18" charset="0"/>
-                          <a:ea typeface="Cambria Math" panose="02040503050406030204" pitchFamily="18" charset="0"/>
-                        </a:rPr>
-                        <m:t>𝑒𝑛𝑡𝑒𝑟𝑠</m:t>
-                      </m:r>
-                    </m:oMath>
-                  </m:oMathPara>
-                </a14:m>
-                <a:endParaRPr lang="es-ES" b="0" dirty="0">
-                  <a:ea typeface="Cambria Math" panose="02040503050406030204" pitchFamily="18" charset="0"/>
-                </a:endParaRPr>
-              </a:p>
-            </p:txBody>
-          </p:sp>
-        </mc:Choice>
-        <mc:Fallback xmlns="">
-          <p:sp>
-            <p:nvSpPr>
-              <p:cNvPr id="4" name="Oval 3">
-                <a:extLst>
-                  <a:ext uri="{FF2B5EF4-FFF2-40B4-BE49-F238E27FC236}">
-                    <a16:creationId xmlns:a16="http://schemas.microsoft.com/office/drawing/2014/main" id="{C5B2BE40-3099-3BE6-C3A5-D0005E7618A7}"/>
-                  </a:ext>
-                </a:extLst>
-              </p:cNvPr>
-              <p:cNvSpPr>
-                <a:spLocks noRot="1" noChangeAspect="1" noMove="1" noResize="1" noEditPoints="1" noAdjustHandles="1" noChangeArrowheads="1" noChangeShapeType="1" noTextEdit="1"/>
-              </p:cNvSpPr>
-              <p:nvPr/>
-            </p:nvSpPr>
-            <p:spPr>
-              <a:xfrm>
-                <a:off x="3090162" y="2337099"/>
-                <a:ext cx="1159379" cy="625642"/>
-              </a:xfrm>
-              <a:prstGeom prst="ellipse">
-                <a:avLst/>
-              </a:prstGeom>
-              <a:blipFill>
-                <a:blip r:embed="rId2"/>
-                <a:stretch>
-                  <a:fillRect/>
-                </a:stretch>
-              </a:blipFill>
-            </p:spPr>
-            <p:txBody>
-              <a:bodyPr/>
-              <a:lstStyle/>
-              <a:p>
-                <a:r>
-                  <a:rPr lang="en-GB">
-                    <a:noFill/>
-                  </a:rPr>
-                  <a:t> </a:t>
-                </a:r>
-              </a:p>
-            </p:txBody>
-          </p:sp>
-        </mc:Fallback>
-      </mc:AlternateContent>
-      <mc:AlternateContent xmlns:mc="http://schemas.openxmlformats.org/markup-compatibility/2006" xmlns:a14="http://schemas.microsoft.com/office/drawing/2010/main">
-        <mc:Choice Requires="a14">
-          <p:sp>
-            <p:nvSpPr>
-              <p:cNvPr id="5" name="Oval 4">
-                <a:extLst>
-                  <a:ext uri="{FF2B5EF4-FFF2-40B4-BE49-F238E27FC236}">
-                    <a16:creationId xmlns:a16="http://schemas.microsoft.com/office/drawing/2014/main" id="{F8D13554-1BA9-FE1D-90DC-371ABA3D3433}"/>
-                  </a:ext>
-                </a:extLst>
-              </p:cNvPr>
-              <p:cNvSpPr/>
-              <p:nvPr/>
-            </p:nvSpPr>
-            <p:spPr>
-              <a:xfrm>
-                <a:off x="5105923" y="2273968"/>
-                <a:ext cx="1047872" cy="625642"/>
-              </a:xfrm>
-              <a:prstGeom prst="ellipse">
-                <a:avLst/>
-              </a:prstGeom>
-            </p:spPr>
-            <p:style>
-              <a:lnRef idx="2">
-                <a:schemeClr val="dk1"/>
-              </a:lnRef>
-              <a:fillRef idx="1">
-                <a:schemeClr val="lt1"/>
-              </a:fillRef>
-              <a:effectRef idx="0">
-                <a:schemeClr val="dk1"/>
-              </a:effectRef>
-              <a:fontRef idx="minor">
-                <a:schemeClr val="dk1"/>
-              </a:fontRef>
-            </p:style>
-            <p:txBody>
-              <a:bodyPr rtlCol="0" anchor="ctr"/>
-              <a:lstStyle/>
-              <a:p>
-                <a:pPr algn="ctr"/>
-                <a14:m>
-                  <m:oMathPara xmlns:m="http://schemas.openxmlformats.org/officeDocument/2006/math">
-                    <m:oMathParaPr>
-                      <m:jc m:val="centerGroup"/>
-                    </m:oMathParaPr>
-                    <m:oMath xmlns:m="http://schemas.openxmlformats.org/officeDocument/2006/math">
-                      <m:r>
-                        <a:rPr lang="es-ES" i="1" smtClean="0">
-                          <a:latin typeface="Cambria Math" panose="02040503050406030204" pitchFamily="18" charset="0"/>
-                          <a:ea typeface="Cambria Math" panose="02040503050406030204" pitchFamily="18" charset="0"/>
-                        </a:rPr>
-                        <m:t>𝑇</m:t>
-                      </m:r>
-                      <m:r>
-                        <a:rPr lang="es-ES" b="0" i="1" smtClean="0">
-                          <a:latin typeface="Cambria Math" panose="02040503050406030204" pitchFamily="18" charset="0"/>
-                          <a:ea typeface="Cambria Math" panose="02040503050406030204" pitchFamily="18" charset="0"/>
-                        </a:rPr>
-                        <m:t>𝑎𝑢𝑠</m:t>
-                      </m:r>
-                    </m:oMath>
-                  </m:oMathPara>
-                </a14:m>
-                <a:endParaRPr lang="es-ES" b="0" dirty="0">
-                  <a:ea typeface="Cambria Math" panose="02040503050406030204" pitchFamily="18" charset="0"/>
-                </a:endParaRPr>
-              </a:p>
-            </p:txBody>
-          </p:sp>
-        </mc:Choice>
-        <mc:Fallback xmlns="">
-          <p:sp>
-            <p:nvSpPr>
-              <p:cNvPr id="5" name="Oval 4">
-                <a:extLst>
-                  <a:ext uri="{FF2B5EF4-FFF2-40B4-BE49-F238E27FC236}">
-                    <a16:creationId xmlns:a16="http://schemas.microsoft.com/office/drawing/2014/main" id="{F8D13554-1BA9-FE1D-90DC-371ABA3D3433}"/>
-                  </a:ext>
-                </a:extLst>
-              </p:cNvPr>
-              <p:cNvSpPr>
-                <a:spLocks noRot="1" noChangeAspect="1" noMove="1" noResize="1" noEditPoints="1" noAdjustHandles="1" noChangeArrowheads="1" noChangeShapeType="1" noTextEdit="1"/>
-              </p:cNvSpPr>
-              <p:nvPr/>
-            </p:nvSpPr>
-            <p:spPr>
-              <a:xfrm>
-                <a:off x="5105923" y="2273968"/>
-                <a:ext cx="1047872" cy="625642"/>
-              </a:xfrm>
-              <a:prstGeom prst="ellipse">
-                <a:avLst/>
-              </a:prstGeom>
-              <a:blipFill>
-                <a:blip r:embed="rId3"/>
-                <a:stretch>
-                  <a:fillRect/>
-                </a:stretch>
-              </a:blipFill>
-            </p:spPr>
-            <p:txBody>
-              <a:bodyPr/>
-              <a:lstStyle/>
-              <a:p>
-                <a:r>
-                  <a:rPr lang="en-GB">
-                    <a:noFill/>
-                  </a:rPr>
-                  <a:t> </a:t>
-                </a:r>
-              </a:p>
-            </p:txBody>
-          </p:sp>
-        </mc:Fallback>
-      </mc:AlternateContent>
-      <p:sp>
-        <p:nvSpPr>
-          <p:cNvPr id="8" name="Oval 7">
-            <a:extLst>
-              <a:ext uri="{FF2B5EF4-FFF2-40B4-BE49-F238E27FC236}">
-                <a16:creationId xmlns:a16="http://schemas.microsoft.com/office/drawing/2014/main" id="{27535EC0-AED2-2C4A-F539-BCF99F1DE7A8}"/>
-              </a:ext>
-            </a:extLst>
-          </p:cNvPr>
-          <p:cNvSpPr/>
-          <p:nvPr/>
-        </p:nvSpPr>
-        <p:spPr>
-          <a:xfrm>
-            <a:off x="3669851" y="3588383"/>
-            <a:ext cx="1811706" cy="517358"/>
-          </a:xfrm>
-          <a:prstGeom prst="ellipse">
-            <a:avLst/>
-          </a:prstGeom>
-        </p:spPr>
-        <p:style>
-          <a:lnRef idx="2">
-            <a:schemeClr val="dk1"/>
-          </a:lnRef>
-          <a:fillRef idx="1">
-            <a:schemeClr val="lt1"/>
-          </a:fillRef>
-          <a:effectRef idx="0">
-            <a:schemeClr val="dk1"/>
-          </a:effectRef>
-          <a:fontRef idx="minor">
-            <a:schemeClr val="dk1"/>
-          </a:fontRef>
-        </p:style>
-        <p:txBody>
-          <a:bodyPr rtlCol="0" anchor="ctr"/>
-          <a:lstStyle/>
-          <a:p>
-            <a:pPr algn="ctr"/>
-            <a:r>
-              <a:rPr lang="en-GB" dirty="0"/>
-              <a:t>Observed data</a:t>
-            </a:r>
-          </a:p>
-        </p:txBody>
-      </p:sp>
-      <p:cxnSp>
-        <p:nvCxnSpPr>
-          <p:cNvPr id="11" name="Straight Arrow Connector 10">
-            <a:extLst>
-              <a:ext uri="{FF2B5EF4-FFF2-40B4-BE49-F238E27FC236}">
-                <a16:creationId xmlns:a16="http://schemas.microsoft.com/office/drawing/2014/main" id="{E8373145-C46B-C24C-29A3-F8933306D106}"/>
-              </a:ext>
-            </a:extLst>
-          </p:cNvPr>
-          <p:cNvCxnSpPr>
-            <a:cxnSpLocks/>
-            <a:stCxn id="4" idx="4"/>
-            <a:endCxn id="8" idx="0"/>
-          </p:cNvCxnSpPr>
-          <p:nvPr/>
-        </p:nvCxnSpPr>
-        <p:spPr>
-          <a:xfrm>
-            <a:off x="3669852" y="2962741"/>
-            <a:ext cx="905852" cy="625642"/>
-          </a:xfrm>
-          <a:prstGeom prst="straightConnector1">
-            <a:avLst/>
-          </a:prstGeom>
-          <a:ln>
-            <a:tailEnd type="triangle"/>
-          </a:ln>
-        </p:spPr>
-        <p:style>
-          <a:lnRef idx="2">
-            <a:schemeClr val="accent1"/>
-          </a:lnRef>
-          <a:fillRef idx="0">
-            <a:schemeClr val="accent1"/>
-          </a:fillRef>
-          <a:effectRef idx="1">
-            <a:schemeClr val="accent1"/>
-          </a:effectRef>
-          <a:fontRef idx="minor">
-            <a:schemeClr val="tx1"/>
-          </a:fontRef>
-        </p:style>
-      </p:cxnSp>
-      <p:cxnSp>
-        <p:nvCxnSpPr>
-          <p:cNvPr id="13" name="Straight Arrow Connector 12">
-            <a:extLst>
-              <a:ext uri="{FF2B5EF4-FFF2-40B4-BE49-F238E27FC236}">
-                <a16:creationId xmlns:a16="http://schemas.microsoft.com/office/drawing/2014/main" id="{6CBDD078-7E12-56AF-F747-0A78A55C7193}"/>
-              </a:ext>
-            </a:extLst>
-          </p:cNvPr>
-          <p:cNvCxnSpPr>
-            <a:cxnSpLocks/>
-            <a:stCxn id="5" idx="4"/>
-            <a:endCxn id="8" idx="0"/>
-          </p:cNvCxnSpPr>
-          <p:nvPr/>
-        </p:nvCxnSpPr>
-        <p:spPr>
-          <a:xfrm flipH="1">
-            <a:off x="4575704" y="2899610"/>
-            <a:ext cx="1054155" cy="688773"/>
-          </a:xfrm>
-          <a:prstGeom prst="straightConnector1">
-            <a:avLst/>
-          </a:prstGeom>
-          <a:ln>
-            <a:tailEnd type="triangle"/>
-          </a:ln>
-        </p:spPr>
-        <p:style>
-          <a:lnRef idx="2">
-            <a:schemeClr val="accent1"/>
-          </a:lnRef>
-          <a:fillRef idx="0">
-            <a:schemeClr val="accent1"/>
-          </a:fillRef>
-          <a:effectRef idx="1">
-            <a:schemeClr val="accent1"/>
-          </a:effectRef>
-          <a:fontRef idx="minor">
-            <a:schemeClr val="tx1"/>
-          </a:fontRef>
-        </p:style>
-      </p:cxnSp>
-      <mc:AlternateContent xmlns:mc="http://schemas.openxmlformats.org/markup-compatibility/2006" xmlns:a14="http://schemas.microsoft.com/office/drawing/2010/main">
-        <mc:Choice Requires="a14">
-          <p:sp>
-            <p:nvSpPr>
-              <p:cNvPr id="20" name="Oval 19">
-                <a:extLst>
-                  <a:ext uri="{FF2B5EF4-FFF2-40B4-BE49-F238E27FC236}">
-                    <a16:creationId xmlns:a16="http://schemas.microsoft.com/office/drawing/2014/main" id="{7DDC13B3-E891-40E0-AADD-C32CC65E39E0}"/>
-                  </a:ext>
-                </a:extLst>
-              </p:cNvPr>
-              <p:cNvSpPr/>
-              <p:nvPr/>
-            </p:nvSpPr>
-            <p:spPr>
-              <a:xfrm>
-                <a:off x="4149820" y="397042"/>
-                <a:ext cx="1159379" cy="625642"/>
-              </a:xfrm>
-              <a:prstGeom prst="ellipse">
-                <a:avLst/>
-              </a:prstGeom>
-            </p:spPr>
-            <p:style>
-              <a:lnRef idx="2">
-                <a:schemeClr val="dk1"/>
-              </a:lnRef>
-              <a:fillRef idx="1">
-                <a:schemeClr val="lt1"/>
-              </a:fillRef>
-              <a:effectRef idx="0">
-                <a:schemeClr val="dk1"/>
-              </a:effectRef>
-              <a:fontRef idx="minor">
-                <a:schemeClr val="dk1"/>
-              </a:fontRef>
-            </p:style>
-            <p:txBody>
-              <a:bodyPr rtlCol="0" anchor="ctr"/>
-              <a:lstStyle/>
-              <a:p>
-                <a:pPr algn="ctr"/>
-                <a14:m>
-                  <m:oMathPara xmlns:m="http://schemas.openxmlformats.org/officeDocument/2006/math">
-                    <m:oMathParaPr>
-                      <m:jc m:val="centerGroup"/>
-                    </m:oMathParaPr>
-                    <m:oMath xmlns:m="http://schemas.openxmlformats.org/officeDocument/2006/math">
-                      <m:r>
-                        <a:rPr lang="es-ES" i="1" smtClean="0">
-                          <a:latin typeface="Cambria Math" panose="02040503050406030204" pitchFamily="18" charset="0"/>
-                          <a:ea typeface="Cambria Math" panose="02040503050406030204" pitchFamily="18" charset="0"/>
-                        </a:rPr>
-                        <m:t>𝑝</m:t>
-                      </m:r>
-                    </m:oMath>
-                  </m:oMathPara>
-                </a14:m>
-                <a:endParaRPr lang="es-ES" b="0" dirty="0">
-                  <a:ea typeface="Cambria Math" panose="02040503050406030204" pitchFamily="18" charset="0"/>
-                </a:endParaRPr>
-              </a:p>
-            </p:txBody>
-          </p:sp>
-        </mc:Choice>
-        <mc:Fallback xmlns="">
-          <p:sp>
-            <p:nvSpPr>
-              <p:cNvPr id="20" name="Oval 19">
-                <a:extLst>
-                  <a:ext uri="{FF2B5EF4-FFF2-40B4-BE49-F238E27FC236}">
-                    <a16:creationId xmlns:a16="http://schemas.microsoft.com/office/drawing/2014/main" id="{7DDC13B3-E891-40E0-AADD-C32CC65E39E0}"/>
-                  </a:ext>
-                </a:extLst>
-              </p:cNvPr>
-              <p:cNvSpPr>
-                <a:spLocks noRot="1" noChangeAspect="1" noMove="1" noResize="1" noEditPoints="1" noAdjustHandles="1" noChangeArrowheads="1" noChangeShapeType="1" noTextEdit="1"/>
-              </p:cNvSpPr>
-              <p:nvPr/>
-            </p:nvSpPr>
-            <p:spPr>
-              <a:xfrm>
-                <a:off x="4149820" y="397042"/>
-                <a:ext cx="1159379" cy="625642"/>
-              </a:xfrm>
-              <a:prstGeom prst="ellipse">
-                <a:avLst/>
-              </a:prstGeom>
-              <a:blipFill>
-                <a:blip r:embed="rId4"/>
-                <a:stretch>
-                  <a:fillRect/>
-                </a:stretch>
-              </a:blipFill>
-            </p:spPr>
-            <p:txBody>
-              <a:bodyPr/>
-              <a:lstStyle/>
-              <a:p>
-                <a:r>
-                  <a:rPr lang="en-GB">
-                    <a:noFill/>
-                  </a:rPr>
-                  <a:t> </a:t>
-                </a:r>
-              </a:p>
-            </p:txBody>
-          </p:sp>
-        </mc:Fallback>
-      </mc:AlternateContent>
-      <p:cxnSp>
-        <p:nvCxnSpPr>
-          <p:cNvPr id="22" name="Straight Arrow Connector 21">
-            <a:extLst>
-              <a:ext uri="{FF2B5EF4-FFF2-40B4-BE49-F238E27FC236}">
-                <a16:creationId xmlns:a16="http://schemas.microsoft.com/office/drawing/2014/main" id="{BAD5EC00-7509-A98F-A35F-1B327F5C98C9}"/>
-              </a:ext>
-            </a:extLst>
-          </p:cNvPr>
-          <p:cNvCxnSpPr>
-            <a:stCxn id="20" idx="4"/>
-            <a:endCxn id="4" idx="0"/>
-          </p:cNvCxnSpPr>
-          <p:nvPr/>
-        </p:nvCxnSpPr>
-        <p:spPr>
-          <a:xfrm flipH="1">
-            <a:off x="3669852" y="1022684"/>
-            <a:ext cx="1059658" cy="1314415"/>
-          </a:xfrm>
-          <a:prstGeom prst="straightConnector1">
-            <a:avLst/>
-          </a:prstGeom>
-          <a:ln>
-            <a:tailEnd type="triangle"/>
-          </a:ln>
-        </p:spPr>
-        <p:style>
-          <a:lnRef idx="2">
-            <a:schemeClr val="accent1"/>
-          </a:lnRef>
-          <a:fillRef idx="0">
-            <a:schemeClr val="accent1"/>
-          </a:fillRef>
-          <a:effectRef idx="1">
-            <a:schemeClr val="accent1"/>
-          </a:effectRef>
-          <a:fontRef idx="minor">
-            <a:schemeClr val="tx1"/>
-          </a:fontRef>
-        </p:style>
-      </p:cxnSp>
-      <p:cxnSp>
-        <p:nvCxnSpPr>
-          <p:cNvPr id="24" name="Straight Arrow Connector 23">
-            <a:extLst>
-              <a:ext uri="{FF2B5EF4-FFF2-40B4-BE49-F238E27FC236}">
-                <a16:creationId xmlns:a16="http://schemas.microsoft.com/office/drawing/2014/main" id="{49D4AB9B-A892-7F12-2823-516E81D1477D}"/>
-              </a:ext>
-            </a:extLst>
-          </p:cNvPr>
-          <p:cNvCxnSpPr>
-            <a:stCxn id="20" idx="4"/>
-            <a:endCxn id="5" idx="0"/>
-          </p:cNvCxnSpPr>
-          <p:nvPr/>
-        </p:nvCxnSpPr>
-        <p:spPr>
-          <a:xfrm>
-            <a:off x="4729510" y="1022684"/>
-            <a:ext cx="900349" cy="1251284"/>
-          </a:xfrm>
-          <a:prstGeom prst="straightConnector1">
-            <a:avLst/>
-          </a:prstGeom>
-          <a:ln>
-            <a:tailEnd type="triangle"/>
-          </a:ln>
-        </p:spPr>
-        <p:style>
-          <a:lnRef idx="2">
-            <a:schemeClr val="accent1"/>
-          </a:lnRef>
-          <a:fillRef idx="0">
-            <a:schemeClr val="accent1"/>
-          </a:fillRef>
-          <a:effectRef idx="1">
-            <a:schemeClr val="accent1"/>
-          </a:effectRef>
-          <a:fontRef idx="minor">
-            <a:schemeClr val="tx1"/>
-          </a:fontRef>
-        </p:style>
-      </p:cxnSp>
-      <mc:AlternateContent xmlns:mc="http://schemas.openxmlformats.org/markup-compatibility/2006" xmlns:a14="http://schemas.microsoft.com/office/drawing/2010/main">
-        <mc:Choice Requires="a14">
-          <p:sp>
-            <p:nvSpPr>
-              <p:cNvPr id="26" name="TextBox 25">
-                <a:extLst>
-                  <a:ext uri="{FF2B5EF4-FFF2-40B4-BE49-F238E27FC236}">
-                    <a16:creationId xmlns:a16="http://schemas.microsoft.com/office/drawing/2014/main" id="{8829FB4C-99D2-B135-BB4B-1F6B53CE17D0}"/>
-                  </a:ext>
-                </a:extLst>
-              </p:cNvPr>
-              <p:cNvSpPr txBox="1"/>
-              <p:nvPr/>
-            </p:nvSpPr>
-            <p:spPr>
-              <a:xfrm>
-                <a:off x="5424054" y="545341"/>
-                <a:ext cx="1631024" cy="276999"/>
-              </a:xfrm>
-              <a:prstGeom prst="rect">
-                <a:avLst/>
-              </a:prstGeom>
-              <a:noFill/>
-            </p:spPr>
-            <p:txBody>
-              <a:bodyPr wrap="none" lIns="0" tIns="0" rIns="0" bIns="0" rtlCol="0">
-                <a:spAutoFit/>
-              </a:bodyPr>
-              <a:lstStyle/>
-              <a:p>
-                <a:pPr/>
-                <a14:m>
-                  <m:oMathPara xmlns:m="http://schemas.openxmlformats.org/officeDocument/2006/math">
-                    <m:oMathParaPr>
-                      <m:jc m:val="centerGroup"/>
-                    </m:oMathParaPr>
-                    <m:oMath xmlns:m="http://schemas.openxmlformats.org/officeDocument/2006/math">
-                      <m:r>
-                        <a:rPr lang="es-ES" b="0" i="1" smtClean="0">
-                          <a:latin typeface="Cambria Math" panose="02040503050406030204" pitchFamily="18" charset="0"/>
-                          <a:ea typeface="Cambria Math" panose="02040503050406030204" pitchFamily="18" charset="0"/>
-                        </a:rPr>
-                        <m:t>~</m:t>
-                      </m:r>
-                      <m:r>
-                        <a:rPr lang="es-ES" b="0" i="1" smtClean="0">
-                          <a:latin typeface="Cambria Math" panose="02040503050406030204" pitchFamily="18" charset="0"/>
-                        </a:rPr>
-                        <m:t>𝑈𝑛𝑖𝑓𝑜𝑟𝑚</m:t>
-                      </m:r>
-                      <m:r>
-                        <a:rPr lang="es-ES" b="0" i="1" smtClean="0">
-                          <a:latin typeface="Cambria Math" panose="02040503050406030204" pitchFamily="18" charset="0"/>
-                        </a:rPr>
-                        <m:t>(0,1)</m:t>
-                      </m:r>
-                    </m:oMath>
-                  </m:oMathPara>
-                </a14:m>
-                <a:endParaRPr lang="en-GB" dirty="0"/>
-              </a:p>
-            </p:txBody>
-          </p:sp>
-        </mc:Choice>
-        <mc:Fallback xmlns="">
-          <p:sp>
-            <p:nvSpPr>
-              <p:cNvPr id="26" name="TextBox 25">
-                <a:extLst>
-                  <a:ext uri="{FF2B5EF4-FFF2-40B4-BE49-F238E27FC236}">
-                    <a16:creationId xmlns:a16="http://schemas.microsoft.com/office/drawing/2014/main" id="{8829FB4C-99D2-B135-BB4B-1F6B53CE17D0}"/>
-                  </a:ext>
-                </a:extLst>
-              </p:cNvPr>
-              <p:cNvSpPr txBox="1">
-                <a:spLocks noRot="1" noChangeAspect="1" noMove="1" noResize="1" noEditPoints="1" noAdjustHandles="1" noChangeArrowheads="1" noChangeShapeType="1" noTextEdit="1"/>
-              </p:cNvSpPr>
-              <p:nvPr/>
-            </p:nvSpPr>
-            <p:spPr>
-              <a:xfrm>
-                <a:off x="5424054" y="545341"/>
-                <a:ext cx="1631024" cy="276999"/>
-              </a:xfrm>
-              <a:prstGeom prst="rect">
-                <a:avLst/>
-              </a:prstGeom>
-              <a:blipFill>
-                <a:blip r:embed="rId5"/>
-                <a:stretch>
-                  <a:fillRect l="-1550" r="-4651" b="-34783"/>
-                </a:stretch>
-              </a:blipFill>
-            </p:spPr>
-            <p:txBody>
-              <a:bodyPr/>
-              <a:lstStyle/>
-              <a:p>
-                <a:r>
-                  <a:rPr lang="en-GB">
-                    <a:noFill/>
-                  </a:rPr>
-                  <a:t> </a:t>
-                </a:r>
-              </a:p>
-            </p:txBody>
-          </p:sp>
-        </mc:Fallback>
-      </mc:AlternateContent>
-      <mc:AlternateContent xmlns:mc="http://schemas.openxmlformats.org/markup-compatibility/2006" xmlns:a14="http://schemas.microsoft.com/office/drawing/2010/main">
-        <mc:Choice Requires="a14">
-          <p:sp>
-            <p:nvSpPr>
-              <p:cNvPr id="18" name="TextBox 17">
-                <a:extLst>
-                  <a:ext uri="{FF2B5EF4-FFF2-40B4-BE49-F238E27FC236}">
-                    <a16:creationId xmlns:a16="http://schemas.microsoft.com/office/drawing/2014/main" id="{68BFBCFE-B4E9-288F-C461-7E1249965B38}"/>
-                  </a:ext>
-                </a:extLst>
-              </p:cNvPr>
-              <p:cNvSpPr txBox="1"/>
-              <p:nvPr/>
-            </p:nvSpPr>
-            <p:spPr>
-              <a:xfrm>
-                <a:off x="6256170" y="2448289"/>
-                <a:ext cx="1887504" cy="276999"/>
-              </a:xfrm>
-              <a:prstGeom prst="rect">
-                <a:avLst/>
-              </a:prstGeom>
-              <a:noFill/>
-            </p:spPr>
-            <p:txBody>
-              <a:bodyPr wrap="none" lIns="0" tIns="0" rIns="0" bIns="0" rtlCol="0">
-                <a:spAutoFit/>
-              </a:bodyPr>
-              <a:lstStyle/>
-              <a:p>
-                <a:pPr/>
-                <a14:m>
-                  <m:oMathPara xmlns:m="http://schemas.openxmlformats.org/officeDocument/2006/math">
-                    <m:oMathParaPr>
-                      <m:jc m:val="centerGroup"/>
-                    </m:oMathParaPr>
-                    <m:oMath xmlns:m="http://schemas.openxmlformats.org/officeDocument/2006/math">
-                      <m:r>
-                        <a:rPr lang="es-ES" b="0" i="1" smtClean="0">
-                          <a:latin typeface="Cambria Math" panose="02040503050406030204" pitchFamily="18" charset="0"/>
-                          <a:ea typeface="Cambria Math" panose="02040503050406030204" pitchFamily="18" charset="0"/>
-                        </a:rPr>
-                        <m:t>~</m:t>
-                      </m:r>
-                      <m:r>
-                        <a:rPr lang="es-ES" i="1">
-                          <a:latin typeface="Cambria Math" panose="02040503050406030204" pitchFamily="18" charset="0"/>
-                        </a:rPr>
-                        <m:t>𝑈𝑛𝑖𝑓𝑜𝑟𝑚</m:t>
-                      </m:r>
-                      <m:r>
-                        <a:rPr lang="es-ES" i="1">
-                          <a:latin typeface="Cambria Math" panose="02040503050406030204" pitchFamily="18" charset="0"/>
-                        </a:rPr>
-                        <m:t>(0,100)</m:t>
-                      </m:r>
-                    </m:oMath>
-                  </m:oMathPara>
-                </a14:m>
-                <a:endParaRPr lang="en-GB" dirty="0"/>
-              </a:p>
-            </p:txBody>
-          </p:sp>
-        </mc:Choice>
-        <mc:Fallback xmlns="">
-          <p:sp>
-            <p:nvSpPr>
-              <p:cNvPr id="18" name="TextBox 17">
-                <a:extLst>
-                  <a:ext uri="{FF2B5EF4-FFF2-40B4-BE49-F238E27FC236}">
-                    <a16:creationId xmlns:a16="http://schemas.microsoft.com/office/drawing/2014/main" id="{68BFBCFE-B4E9-288F-C461-7E1249965B38}"/>
-                  </a:ext>
-                </a:extLst>
-              </p:cNvPr>
-              <p:cNvSpPr txBox="1">
-                <a:spLocks noRot="1" noChangeAspect="1" noMove="1" noResize="1" noEditPoints="1" noAdjustHandles="1" noChangeArrowheads="1" noChangeShapeType="1" noTextEdit="1"/>
-              </p:cNvSpPr>
-              <p:nvPr/>
-            </p:nvSpPr>
-            <p:spPr>
-              <a:xfrm>
-                <a:off x="6256170" y="2448289"/>
-                <a:ext cx="1887504" cy="276999"/>
-              </a:xfrm>
-              <a:prstGeom prst="rect">
-                <a:avLst/>
-              </a:prstGeom>
-              <a:blipFill>
-                <a:blip r:embed="rId6"/>
-                <a:stretch>
-                  <a:fillRect l="-667" r="-4000" b="-34783"/>
-                </a:stretch>
-              </a:blipFill>
-            </p:spPr>
-            <p:txBody>
-              <a:bodyPr/>
-              <a:lstStyle/>
-              <a:p>
-                <a:r>
-                  <a:rPr lang="en-GB">
-                    <a:noFill/>
-                  </a:rPr>
-                  <a:t> </a:t>
-                </a:r>
-              </a:p>
-            </p:txBody>
-          </p:sp>
-        </mc:Fallback>
-      </mc:AlternateContent>
-      <mc:AlternateContent xmlns:mc="http://schemas.openxmlformats.org/markup-compatibility/2006" xmlns:a14="http://schemas.microsoft.com/office/drawing/2010/main">
-        <mc:Choice Requires="a14">
-          <p:sp>
-            <p:nvSpPr>
-              <p:cNvPr id="19" name="TextBox 18">
-                <a:extLst>
-                  <a:ext uri="{FF2B5EF4-FFF2-40B4-BE49-F238E27FC236}">
-                    <a16:creationId xmlns:a16="http://schemas.microsoft.com/office/drawing/2014/main" id="{C2EC3F0A-6EBF-39A8-4DC5-0A32B32B6F2C}"/>
-                  </a:ext>
-                </a:extLst>
-              </p:cNvPr>
-              <p:cNvSpPr txBox="1"/>
-              <p:nvPr/>
-            </p:nvSpPr>
-            <p:spPr>
-              <a:xfrm>
-                <a:off x="51969" y="2511420"/>
-                <a:ext cx="2995307" cy="276999"/>
-              </a:xfrm>
-              <a:prstGeom prst="rect">
-                <a:avLst/>
-              </a:prstGeom>
-              <a:noFill/>
-            </p:spPr>
-            <p:txBody>
-              <a:bodyPr wrap="none" lIns="0" tIns="0" rIns="0" bIns="0" rtlCol="0">
-                <a:spAutoFit/>
-              </a:bodyPr>
-              <a:lstStyle/>
-              <a:p>
-                <a:pPr/>
-                <a14:m>
-                  <m:oMathPara xmlns:m="http://schemas.openxmlformats.org/officeDocument/2006/math">
-                    <m:oMathParaPr>
-                      <m:jc m:val="centerGroup"/>
-                    </m:oMathParaPr>
-                    <m:oMath xmlns:m="http://schemas.openxmlformats.org/officeDocument/2006/math">
-                      <m:r>
-                        <a:rPr lang="es-ES" b="0" i="1" smtClean="0">
-                          <a:latin typeface="Cambria Math" panose="02040503050406030204" pitchFamily="18" charset="0"/>
-                        </a:rPr>
-                        <m:t>𝑁𝑜𝑟𝑚𝑎𝑙</m:t>
-                      </m:r>
-                      <m:r>
-                        <a:rPr lang="es-ES" b="0" i="1" smtClean="0">
-                          <a:latin typeface="Cambria Math" panose="02040503050406030204" pitchFamily="18" charset="0"/>
-                        </a:rPr>
-                        <m:t>([120,190],[10,10])~</m:t>
-                      </m:r>
-                    </m:oMath>
-                  </m:oMathPara>
-                </a14:m>
-                <a:endParaRPr lang="en-GB" dirty="0"/>
-              </a:p>
-            </p:txBody>
-          </p:sp>
-        </mc:Choice>
-        <mc:Fallback xmlns="">
-          <p:sp>
-            <p:nvSpPr>
-              <p:cNvPr id="19" name="TextBox 18">
-                <a:extLst>
-                  <a:ext uri="{FF2B5EF4-FFF2-40B4-BE49-F238E27FC236}">
-                    <a16:creationId xmlns:a16="http://schemas.microsoft.com/office/drawing/2014/main" id="{C2EC3F0A-6EBF-39A8-4DC5-0A32B32B6F2C}"/>
-                  </a:ext>
-                </a:extLst>
-              </p:cNvPr>
-              <p:cNvSpPr txBox="1">
-                <a:spLocks noRot="1" noChangeAspect="1" noMove="1" noResize="1" noEditPoints="1" noAdjustHandles="1" noChangeArrowheads="1" noChangeShapeType="1" noTextEdit="1"/>
-              </p:cNvSpPr>
-              <p:nvPr/>
-            </p:nvSpPr>
-            <p:spPr>
-              <a:xfrm>
-                <a:off x="51969" y="2511420"/>
-                <a:ext cx="2995307" cy="276999"/>
-              </a:xfrm>
-              <a:prstGeom prst="rect">
-                <a:avLst/>
-              </a:prstGeom>
-              <a:blipFill>
-                <a:blip r:embed="rId7"/>
-                <a:stretch>
-                  <a:fillRect l="-1688" b="-34783"/>
-                </a:stretch>
-              </a:blipFill>
-            </p:spPr>
-            <p:txBody>
-              <a:bodyPr/>
-              <a:lstStyle/>
-              <a:p>
-                <a:r>
-                  <a:rPr lang="en-GB">
-                    <a:noFill/>
-                  </a:rPr>
-                  <a:t> </a:t>
-                </a:r>
-              </a:p>
-            </p:txBody>
-          </p:sp>
-        </mc:Fallback>
-      </mc:AlternateContent>
-      <mc:AlternateContent xmlns:mc="http://schemas.openxmlformats.org/markup-compatibility/2006" xmlns:a14="http://schemas.microsoft.com/office/drawing/2010/main">
-        <mc:Choice Requires="a14">
-          <p:sp>
-            <p:nvSpPr>
-              <p:cNvPr id="21" name="TextBox 20">
-                <a:extLst>
-                  <a:ext uri="{FF2B5EF4-FFF2-40B4-BE49-F238E27FC236}">
-                    <a16:creationId xmlns:a16="http://schemas.microsoft.com/office/drawing/2014/main" id="{BF6D2F0A-5815-04A2-2CDE-18177875C71D}"/>
-                  </a:ext>
-                </a:extLst>
-              </p:cNvPr>
-              <p:cNvSpPr txBox="1"/>
-              <p:nvPr/>
-            </p:nvSpPr>
-            <p:spPr>
-              <a:xfrm>
-                <a:off x="737517" y="3711841"/>
-                <a:ext cx="2784032" cy="312650"/>
-              </a:xfrm>
-              <a:prstGeom prst="rect">
-                <a:avLst/>
-              </a:prstGeom>
-              <a:noFill/>
-            </p:spPr>
-            <p:txBody>
-              <a:bodyPr wrap="none" lIns="0" tIns="0" rIns="0" bIns="0" rtlCol="0">
-                <a:spAutoFit/>
-              </a:bodyPr>
-              <a:lstStyle/>
-              <a:p>
-                <a:pPr/>
-                <a14:m>
-                  <m:oMathPara xmlns:m="http://schemas.openxmlformats.org/officeDocument/2006/math">
-                    <m:oMathParaPr>
-                      <m:jc m:val="centerGroup"/>
-                    </m:oMathParaPr>
-                    <m:oMath xmlns:m="http://schemas.openxmlformats.org/officeDocument/2006/math">
-                      <m:r>
-                        <a:rPr lang="es-ES" b="0" i="1" smtClean="0">
-                          <a:latin typeface="Cambria Math" panose="02040503050406030204" pitchFamily="18" charset="0"/>
-                        </a:rPr>
-                        <m:t>𝑁𝑜𝑟𝑚𝑎𝑙</m:t>
-                      </m:r>
-                      <m:d>
-                        <m:dPr>
-                          <m:ctrlPr>
-                            <a:rPr lang="es-ES" b="0" i="1" smtClean="0">
-                              <a:latin typeface="Cambria Math" panose="02040503050406030204" pitchFamily="18" charset="0"/>
-                            </a:rPr>
-                          </m:ctrlPr>
-                        </m:dPr>
-                        <m:e>
-                          <m:sSub>
-                            <m:sSubPr>
-                              <m:ctrlPr>
-                                <a:rPr lang="es-ES" b="0" i="1" smtClean="0">
-                                  <a:latin typeface="Cambria Math" panose="02040503050406030204" pitchFamily="18" charset="0"/>
-                                  <a:ea typeface="Cambria Math" panose="02040503050406030204" pitchFamily="18" charset="0"/>
-                                </a:rPr>
-                              </m:ctrlPr>
-                            </m:sSubPr>
-                            <m:e>
-                              <m:r>
-                                <a:rPr lang="es-ES" b="0" i="1" smtClean="0">
-                                  <a:latin typeface="Cambria Math" panose="02040503050406030204" pitchFamily="18" charset="0"/>
-                                  <a:ea typeface="Cambria Math" panose="02040503050406030204" pitchFamily="18" charset="0"/>
-                                </a:rPr>
-                                <m:t>(</m:t>
-                              </m:r>
-                              <m:r>
-                                <a:rPr lang="es-ES" b="0" i="1" smtClean="0">
-                                  <a:latin typeface="Cambria Math" panose="02040503050406030204" pitchFamily="18" charset="0"/>
-                                  <a:ea typeface="Cambria Math" panose="02040503050406030204" pitchFamily="18" charset="0"/>
-                                </a:rPr>
-                                <m:t>𝜇</m:t>
-                              </m:r>
-                            </m:e>
-                            <m:sub>
-                              <m:r>
-                                <a:rPr lang="es-ES" b="0" i="1" smtClean="0">
-                                  <a:latin typeface="Cambria Math" panose="02040503050406030204" pitchFamily="18" charset="0"/>
-                                  <a:ea typeface="Cambria Math" panose="02040503050406030204" pitchFamily="18" charset="0"/>
-                                </a:rPr>
-                                <m:t>0</m:t>
-                              </m:r>
-                            </m:sub>
-                          </m:sSub>
-                          <m:r>
-                            <a:rPr lang="es-ES" b="0" i="1" smtClean="0">
-                              <a:latin typeface="Cambria Math" panose="02040503050406030204" pitchFamily="18" charset="0"/>
-                              <a:ea typeface="Cambria Math" panose="02040503050406030204" pitchFamily="18" charset="0"/>
-                            </a:rPr>
-                            <m:t>,</m:t>
-                          </m:r>
-                          <m:sSub>
-                            <m:sSubPr>
-                              <m:ctrlPr>
-                                <a:rPr lang="es-ES" i="1">
-                                  <a:latin typeface="Cambria Math" panose="02040503050406030204" pitchFamily="18" charset="0"/>
-                                  <a:ea typeface="Cambria Math" panose="02040503050406030204" pitchFamily="18" charset="0"/>
-                                </a:rPr>
-                              </m:ctrlPr>
-                            </m:sSubPr>
-                            <m:e>
-                              <m:r>
-                                <a:rPr lang="es-ES" i="1">
-                                  <a:latin typeface="Cambria Math" panose="02040503050406030204" pitchFamily="18" charset="0"/>
-                                  <a:ea typeface="Cambria Math" panose="02040503050406030204" pitchFamily="18" charset="0"/>
-                                </a:rPr>
-                                <m:t>𝜇</m:t>
-                              </m:r>
-                            </m:e>
-                            <m:sub>
-                              <m:r>
-                                <a:rPr lang="es-ES" b="0" i="1" smtClean="0">
-                                  <a:latin typeface="Cambria Math" panose="02040503050406030204" pitchFamily="18" charset="0"/>
-                                  <a:ea typeface="Cambria Math" panose="02040503050406030204" pitchFamily="18" charset="0"/>
-                                </a:rPr>
-                                <m:t>1</m:t>
-                              </m:r>
-                            </m:sub>
-                          </m:sSub>
-                        </m:e>
-                      </m:d>
-                      <m:r>
-                        <a:rPr lang="es-ES" b="0" i="1" smtClean="0">
-                          <a:latin typeface="Cambria Math" panose="02040503050406030204" pitchFamily="18" charset="0"/>
-                          <a:ea typeface="Cambria Math" panose="02040503050406030204" pitchFamily="18" charset="0"/>
-                        </a:rPr>
-                        <m:t>,</m:t>
-                      </m:r>
-                      <m:sSub>
-                        <m:sSubPr>
-                          <m:ctrlPr>
-                            <a:rPr lang="es-ES" b="0" i="1" smtClean="0">
-                              <a:latin typeface="Cambria Math" panose="02040503050406030204" pitchFamily="18" charset="0"/>
-                              <a:ea typeface="Cambria Math" panose="02040503050406030204" pitchFamily="18" charset="0"/>
-                            </a:rPr>
-                          </m:ctrlPr>
-                        </m:sSubPr>
-                        <m:e>
-                          <m:r>
-                            <a:rPr lang="es-ES" b="0" i="1" smtClean="0">
-                              <a:latin typeface="Cambria Math" panose="02040503050406030204" pitchFamily="18" charset="0"/>
-                              <a:ea typeface="Cambria Math" panose="02040503050406030204" pitchFamily="18" charset="0"/>
-                            </a:rPr>
-                            <m:t>(</m:t>
-                          </m:r>
-                          <m:r>
-                            <a:rPr lang="es-ES" i="1">
-                              <a:latin typeface="Cambria Math" panose="02040503050406030204" pitchFamily="18" charset="0"/>
-                            </a:rPr>
-                            <m:t>𝜎</m:t>
-                          </m:r>
-                        </m:e>
-                        <m:sub>
-                          <m:r>
-                            <a:rPr lang="es-ES" b="0" i="1" smtClean="0">
-                              <a:latin typeface="Cambria Math" panose="02040503050406030204" pitchFamily="18" charset="0"/>
-                            </a:rPr>
-                            <m:t>0</m:t>
-                          </m:r>
-                        </m:sub>
-                      </m:sSub>
-                      <m:r>
-                        <a:rPr lang="es-ES" b="0" i="1" smtClean="0">
-                          <a:latin typeface="Cambria Math" panose="02040503050406030204" pitchFamily="18" charset="0"/>
-                        </a:rPr>
-                        <m:t>,</m:t>
-                      </m:r>
-                      <m:sSub>
-                        <m:sSubPr>
-                          <m:ctrlPr>
-                            <a:rPr lang="es-ES" i="1">
-                              <a:latin typeface="Cambria Math" panose="02040503050406030204" pitchFamily="18" charset="0"/>
-                              <a:ea typeface="Cambria Math" panose="02040503050406030204" pitchFamily="18" charset="0"/>
-                            </a:rPr>
-                          </m:ctrlPr>
-                        </m:sSubPr>
-                        <m:e>
-                          <m:r>
-                            <a:rPr lang="es-ES" i="1">
-                              <a:latin typeface="Cambria Math" panose="02040503050406030204" pitchFamily="18" charset="0"/>
-                            </a:rPr>
-                            <m:t>𝜎</m:t>
-                          </m:r>
-                        </m:e>
-                        <m:sub>
-                          <m:r>
-                            <a:rPr lang="es-ES" b="0" i="1" smtClean="0">
-                              <a:latin typeface="Cambria Math" panose="02040503050406030204" pitchFamily="18" charset="0"/>
-                            </a:rPr>
-                            <m:t>1</m:t>
-                          </m:r>
-                        </m:sub>
-                      </m:sSub>
-                      <m:r>
-                        <a:rPr lang="es-ES" b="0" i="1" smtClean="0">
-                          <a:latin typeface="Cambria Math" panose="02040503050406030204" pitchFamily="18" charset="0"/>
-                        </a:rPr>
-                        <m:t>))</m:t>
-                      </m:r>
-                      <m:r>
-                        <a:rPr lang="es-ES" b="0" i="1" smtClean="0">
-                          <a:latin typeface="Cambria Math" panose="02040503050406030204" pitchFamily="18" charset="0"/>
-                          <a:ea typeface="Cambria Math" panose="02040503050406030204" pitchFamily="18" charset="0"/>
-                        </a:rPr>
-                        <m:t>~</m:t>
-                      </m:r>
-                    </m:oMath>
-                  </m:oMathPara>
-                </a14:m>
-                <a:endParaRPr lang="en-GB" dirty="0"/>
-              </a:p>
-            </p:txBody>
-          </p:sp>
-        </mc:Choice>
-        <mc:Fallback xmlns="">
-          <p:sp>
-            <p:nvSpPr>
-              <p:cNvPr id="21" name="TextBox 20">
-                <a:extLst>
-                  <a:ext uri="{FF2B5EF4-FFF2-40B4-BE49-F238E27FC236}">
-                    <a16:creationId xmlns:a16="http://schemas.microsoft.com/office/drawing/2014/main" id="{BF6D2F0A-5815-04A2-2CDE-18177875C71D}"/>
-                  </a:ext>
-                </a:extLst>
-              </p:cNvPr>
-              <p:cNvSpPr txBox="1">
-                <a:spLocks noRot="1" noChangeAspect="1" noMove="1" noResize="1" noEditPoints="1" noAdjustHandles="1" noChangeArrowheads="1" noChangeShapeType="1" noTextEdit="1"/>
-              </p:cNvSpPr>
-              <p:nvPr/>
-            </p:nvSpPr>
-            <p:spPr>
-              <a:xfrm>
-                <a:off x="737517" y="3711841"/>
-                <a:ext cx="2784032" cy="312650"/>
-              </a:xfrm>
-              <a:prstGeom prst="rect">
-                <a:avLst/>
-              </a:prstGeom>
-              <a:blipFill>
-                <a:blip r:embed="rId8"/>
-                <a:stretch>
-                  <a:fillRect l="-1818" b="-28000"/>
-                </a:stretch>
-              </a:blipFill>
-            </p:spPr>
-            <p:txBody>
-              <a:bodyPr/>
-              <a:lstStyle/>
-              <a:p>
-                <a:r>
-                  <a:rPr lang="en-GB">
-                    <a:noFill/>
-                  </a:rPr>
-                  <a:t> </a:t>
-                </a:r>
-              </a:p>
-            </p:txBody>
-          </p:sp>
-        </mc:Fallback>
-      </mc:AlternateContent>
-    </p:spTree>
-    <p:extLst>
-      <p:ext uri="{BB962C8B-B14F-4D97-AF65-F5344CB8AC3E}">
-        <p14:creationId xmlns:p14="http://schemas.microsoft.com/office/powerpoint/2010/main" val="4053113417"/>
-      </p:ext>
-    </p:extLst>
-  </p:cSld>
-  <p:clrMapOvr>
-    <a:masterClrMapping/>
-  </p:clrMapOvr>
-</p:sld>
-</file>
-
-<file path=ppt/slides/slide5.xml><?xml version="1.0" encoding="utf-8"?>
-<p:sld xmlns:a="http://schemas.openxmlformats.org/drawingml/2006/main" xmlns:r="http://schemas.openxmlformats.org/officeDocument/2006/relationships" xmlns:p="http://schemas.openxmlformats.org/presentationml/2006/main">
-  <p:cSld>
-    <p:spTree>
-      <p:nvGrpSpPr>
         <p:cNvPr id="1" name=""/>
         <p:cNvGrpSpPr/>
         <p:nvPr/>
@@ -8364,7 +5700,7 @@
 </p:sld>
 </file>
 
-<file path=ppt/slides/slide6.xml><?xml version="1.0" encoding="utf-8"?>
+<file path=ppt/slides/slide4.xml><?xml version="1.0" encoding="utf-8"?>
 <p:sld xmlns:a="http://schemas.openxmlformats.org/drawingml/2006/main" xmlns:r="http://schemas.openxmlformats.org/officeDocument/2006/relationships" xmlns:p="http://schemas.openxmlformats.org/presentationml/2006/main">
   <p:cSld>
     <p:spTree>
@@ -8452,7 +5788,7 @@
 </p:sld>
 </file>
 
-<file path=ppt/slides/slide7.xml><?xml version="1.0" encoding="utf-8"?>
+<file path=ppt/slides/slide5.xml><?xml version="1.0" encoding="utf-8"?>
 <p:sld xmlns:a="http://schemas.openxmlformats.org/drawingml/2006/main" xmlns:r="http://schemas.openxmlformats.org/officeDocument/2006/relationships" xmlns:p="http://schemas.openxmlformats.org/presentationml/2006/main">
   <p:cSld>
     <p:spTree>
@@ -8540,7 +5876,7 @@
 </p:sld>
 </file>
 
-<file path=ppt/slides/slide8.xml><?xml version="1.0" encoding="utf-8"?>
+<file path=ppt/slides/slide6.xml><?xml version="1.0" encoding="utf-8"?>
 <p:sld xmlns:a="http://schemas.openxmlformats.org/drawingml/2006/main" xmlns:r="http://schemas.openxmlformats.org/officeDocument/2006/relationships" xmlns:p="http://schemas.openxmlformats.org/presentationml/2006/main">
   <p:cSld>
     <p:spTree>
@@ -8627,7 +5963,7 @@
 </p:sld>
 </file>
 
-<file path=ppt/slides/slide9.xml><?xml version="1.0" encoding="utf-8"?>
+<file path=ppt/slides/slide7.xml><?xml version="1.0" encoding="utf-8"?>
 <p:sld xmlns:a="http://schemas.openxmlformats.org/drawingml/2006/main" xmlns:r="http://schemas.openxmlformats.org/officeDocument/2006/relationships" xmlns:p="http://schemas.openxmlformats.org/presentationml/2006/main">
   <p:cSld>
     <p:spTree>
@@ -8706,6 +6042,329 @@
     <p:extLst>
       <p:ext uri="{BB962C8B-B14F-4D97-AF65-F5344CB8AC3E}">
         <p14:creationId xmlns:p14="http://schemas.microsoft.com/office/powerpoint/2010/main" val="2254083285"/>
+      </p:ext>
+    </p:extLst>
+  </p:cSld>
+  <p:clrMapOvr>
+    <a:masterClrMapping/>
+  </p:clrMapOvr>
+</p:sld>
+</file>
+
+<file path=ppt/slides/slide8.xml><?xml version="1.0" encoding="utf-8"?>
+<p:sld xmlns:a="http://schemas.openxmlformats.org/drawingml/2006/main" xmlns:r="http://schemas.openxmlformats.org/officeDocument/2006/relationships" xmlns:p="http://schemas.openxmlformats.org/presentationml/2006/main">
+  <p:cSld>
+    <p:spTree>
+      <p:nvGrpSpPr>
+        <p:cNvPr id="1" name=""/>
+        <p:cNvGrpSpPr/>
+        <p:nvPr/>
+      </p:nvGrpSpPr>
+      <p:grpSpPr>
+        <a:xfrm>
+          <a:off x="0" y="0"/>
+          <a:ext cx="0" cy="0"/>
+          <a:chOff x="0" y="0"/>
+          <a:chExt cx="0" cy="0"/>
+        </a:xfrm>
+      </p:grpSpPr>
+      <p:sp>
+        <p:nvSpPr>
+          <p:cNvPr id="2" name="Title 1">
+            <a:extLst>
+              <a:ext uri="{FF2B5EF4-FFF2-40B4-BE49-F238E27FC236}">
+                <a16:creationId xmlns:a16="http://schemas.microsoft.com/office/drawing/2014/main" id="{297F8A9F-4978-D716-7AB1-3E92E6954284}"/>
+              </a:ext>
+            </a:extLst>
+          </p:cNvPr>
+          <p:cNvSpPr>
+            <a:spLocks noGrp="1"/>
+          </p:cNvSpPr>
+          <p:nvPr>
+            <p:ph type="title"/>
+          </p:nvPr>
+        </p:nvSpPr>
+        <p:spPr/>
+        <p:txBody>
+          <a:bodyPr/>
+          <a:lstStyle/>
+          <a:p>
+            <a:r>
+              <a:rPr lang="en-GB" dirty="0"/>
+              <a:t>How to calculate the A?</a:t>
+            </a:r>
+          </a:p>
+        </p:txBody>
+      </p:sp>
+      <p:pic>
+        <p:nvPicPr>
+          <p:cNvPr id="4" name="Picture 3">
+            <a:extLst>
+              <a:ext uri="{FF2B5EF4-FFF2-40B4-BE49-F238E27FC236}">
+                <a16:creationId xmlns:a16="http://schemas.microsoft.com/office/drawing/2014/main" id="{F011E723-7FFD-EEF9-7253-0255E9E94658}"/>
+              </a:ext>
+            </a:extLst>
+          </p:cNvPr>
+          <p:cNvPicPr>
+            <a:picLocks noChangeAspect="1"/>
+          </p:cNvPicPr>
+          <p:nvPr/>
+        </p:nvPicPr>
+        <p:blipFill>
+          <a:blip r:embed="rId2"/>
+          <a:stretch>
+            <a:fillRect/>
+          </a:stretch>
+        </p:blipFill>
+        <p:spPr>
+          <a:xfrm>
+            <a:off x="838200" y="1536007"/>
+            <a:ext cx="6453831" cy="4747231"/>
+          </a:xfrm>
+          <a:prstGeom prst="rect">
+            <a:avLst/>
+          </a:prstGeom>
+        </p:spPr>
+      </p:pic>
+    </p:spTree>
+    <p:extLst>
+      <p:ext uri="{BB962C8B-B14F-4D97-AF65-F5344CB8AC3E}">
+        <p14:creationId xmlns:p14="http://schemas.microsoft.com/office/powerpoint/2010/main" val="400761090"/>
+      </p:ext>
+    </p:extLst>
+  </p:cSld>
+  <p:clrMapOvr>
+    <a:masterClrMapping/>
+  </p:clrMapOvr>
+</p:sld>
+</file>
+
+<file path=ppt/slides/slide9.xml><?xml version="1.0" encoding="utf-8"?>
+<p:sld xmlns:a="http://schemas.openxmlformats.org/drawingml/2006/main" xmlns:r="http://schemas.openxmlformats.org/officeDocument/2006/relationships" xmlns:p="http://schemas.openxmlformats.org/presentationml/2006/main">
+  <p:cSld>
+    <p:spTree>
+      <p:nvGrpSpPr>
+        <p:cNvPr id="1" name=""/>
+        <p:cNvGrpSpPr/>
+        <p:nvPr/>
+      </p:nvGrpSpPr>
+      <p:grpSpPr>
+        <a:xfrm>
+          <a:off x="0" y="0"/>
+          <a:ext cx="0" cy="0"/>
+          <a:chOff x="0" y="0"/>
+          <a:chExt cx="0" cy="0"/>
+        </a:xfrm>
+      </p:grpSpPr>
+      <mc:AlternateContent xmlns:mc="http://schemas.openxmlformats.org/markup-compatibility/2006" xmlns:a14="http://schemas.microsoft.com/office/drawing/2010/main">
+        <mc:Choice Requires="a14">
+          <p:sp>
+            <p:nvSpPr>
+              <p:cNvPr id="2" name="Title 1">
+                <a:extLst>
+                  <a:ext uri="{FF2B5EF4-FFF2-40B4-BE49-F238E27FC236}">
+                    <a16:creationId xmlns:a16="http://schemas.microsoft.com/office/drawing/2014/main" id="{9E28A671-8A7C-29D7-B39F-9FE3F7576BC4}"/>
+                  </a:ext>
+                </a:extLst>
+              </p:cNvPr>
+              <p:cNvSpPr>
+                <a:spLocks noGrp="1"/>
+              </p:cNvSpPr>
+              <p:nvPr>
+                <p:ph type="title"/>
+              </p:nvPr>
+            </p:nvSpPr>
+            <p:spPr/>
+            <p:txBody>
+              <a:bodyPr/>
+              <a:lstStyle/>
+              <a:p>
+                <a:r>
+                  <a:rPr lang="en-GB" dirty="0"/>
+                  <a:t>How to calculate de </a:t>
+                </a:r>
+                <a:r>
+                  <a:rPr lang="en-GB" i="1" dirty="0"/>
+                  <a:t>prior</a:t>
+                </a:r>
+                <a:r>
+                  <a:rPr lang="en-GB" dirty="0"/>
+                  <a:t> </a:t>
+                </a:r>
+                <a14:m>
+                  <m:oMath xmlns:m="http://schemas.openxmlformats.org/officeDocument/2006/math">
+                    <m:r>
+                      <a:rPr lang="es-ES" b="0" i="1" smtClean="0">
+                        <a:latin typeface="Cambria Math" panose="02040503050406030204" pitchFamily="18" charset="0"/>
+                      </a:rPr>
+                      <m:t>𝑃</m:t>
+                    </m:r>
+                    <m:d>
+                      <m:dPr>
+                        <m:ctrlPr>
+                          <a:rPr lang="es-ES" b="0" i="1" smtClean="0">
+                            <a:latin typeface="Cambria Math" panose="02040503050406030204" pitchFamily="18" charset="0"/>
+                          </a:rPr>
+                        </m:ctrlPr>
+                      </m:dPr>
+                      <m:e>
+                        <m:r>
+                          <a:rPr lang="es-ES" b="0" i="1" smtClean="0">
+                            <a:latin typeface="Cambria Math" panose="02040503050406030204" pitchFamily="18" charset="0"/>
+                            <a:ea typeface="Cambria Math" panose="02040503050406030204" pitchFamily="18" charset="0"/>
+                          </a:rPr>
+                          <m:t>𝜃</m:t>
+                        </m:r>
+                      </m:e>
+                    </m:d>
+                    <m:r>
+                      <a:rPr lang="es-ES" b="0" i="1" smtClean="0">
+                        <a:latin typeface="Cambria Math" panose="02040503050406030204" pitchFamily="18" charset="0"/>
+                        <a:ea typeface="Cambria Math" panose="02040503050406030204" pitchFamily="18" charset="0"/>
+                      </a:rPr>
+                      <m:t>𝑎𝑛𝑑</m:t>
+                    </m:r>
+                    <m:r>
+                      <a:rPr lang="es-ES" b="0" i="1" smtClean="0">
+                        <a:latin typeface="Cambria Math" panose="02040503050406030204" pitchFamily="18" charset="0"/>
+                        <a:ea typeface="Cambria Math" panose="02040503050406030204" pitchFamily="18" charset="0"/>
+                      </a:rPr>
+                      <m:t> </m:t>
+                    </m:r>
+                    <m:r>
+                      <a:rPr lang="es-ES" b="0" i="1" smtClean="0">
+                        <a:latin typeface="Cambria Math" panose="02040503050406030204" pitchFamily="18" charset="0"/>
+                        <a:ea typeface="Cambria Math" panose="02040503050406030204" pitchFamily="18" charset="0"/>
+                      </a:rPr>
+                      <m:t>𝑃</m:t>
+                    </m:r>
+                    <m:d>
+                      <m:dPr>
+                        <m:ctrlPr>
+                          <a:rPr lang="es-ES" b="0" i="1" smtClean="0">
+                            <a:latin typeface="Cambria Math" panose="02040503050406030204" pitchFamily="18" charset="0"/>
+                            <a:ea typeface="Cambria Math" panose="02040503050406030204" pitchFamily="18" charset="0"/>
+                          </a:rPr>
+                        </m:ctrlPr>
+                      </m:dPr>
+                      <m:e>
+                        <m:sSup>
+                          <m:sSupPr>
+                            <m:ctrlPr>
+                              <a:rPr lang="es-ES" b="0" i="1" smtClean="0">
+                                <a:latin typeface="Cambria Math" panose="02040503050406030204" pitchFamily="18" charset="0"/>
+                                <a:ea typeface="Cambria Math" panose="02040503050406030204" pitchFamily="18" charset="0"/>
+                              </a:rPr>
+                            </m:ctrlPr>
+                          </m:sSupPr>
+                          <m:e>
+                            <m:r>
+                              <a:rPr lang="es-ES" b="0" i="1" smtClean="0">
+                                <a:latin typeface="Cambria Math" panose="02040503050406030204" pitchFamily="18" charset="0"/>
+                                <a:ea typeface="Cambria Math" panose="02040503050406030204" pitchFamily="18" charset="0"/>
+                              </a:rPr>
+                              <m:t>𝜃</m:t>
+                            </m:r>
+                          </m:e>
+                          <m:sup>
+                            <m:r>
+                              <a:rPr lang="es-ES" b="0" i="1" smtClean="0">
+                                <a:latin typeface="Cambria Math" panose="02040503050406030204" pitchFamily="18" charset="0"/>
+                                <a:ea typeface="Cambria Math" panose="02040503050406030204" pitchFamily="18" charset="0"/>
+                              </a:rPr>
+                              <m:t>′</m:t>
+                            </m:r>
+                          </m:sup>
+                        </m:sSup>
+                      </m:e>
+                    </m:d>
+                    <m:r>
+                      <a:rPr lang="es-ES" b="0" i="1" smtClean="0">
+                        <a:latin typeface="Cambria Math" panose="02040503050406030204" pitchFamily="18" charset="0"/>
+                        <a:ea typeface="Cambria Math" panose="02040503050406030204" pitchFamily="18" charset="0"/>
+                      </a:rPr>
+                      <m:t>?</m:t>
+                    </m:r>
+                  </m:oMath>
+                </a14:m>
+                <a:endParaRPr lang="en-GB" dirty="0"/>
+              </a:p>
+            </p:txBody>
+          </p:sp>
+        </mc:Choice>
+        <mc:Fallback xmlns="">
+          <p:sp>
+            <p:nvSpPr>
+              <p:cNvPr id="2" name="Title 1">
+                <a:extLst>
+                  <a:ext uri="{FF2B5EF4-FFF2-40B4-BE49-F238E27FC236}">
+                    <a16:creationId xmlns:a16="http://schemas.microsoft.com/office/drawing/2014/main" id="{9E28A671-8A7C-29D7-B39F-9FE3F7576BC4}"/>
+                  </a:ext>
+                </a:extLst>
+              </p:cNvPr>
+              <p:cNvSpPr>
+                <a:spLocks noGrp="1" noRot="1" noChangeAspect="1" noMove="1" noResize="1" noEditPoints="1" noAdjustHandles="1" noChangeArrowheads="1" noChangeShapeType="1" noTextEdit="1"/>
+              </p:cNvSpPr>
+              <p:nvPr>
+                <p:ph type="title"/>
+              </p:nvPr>
+            </p:nvSpPr>
+            <p:spPr>
+              <a:blipFill>
+                <a:blip r:embed="rId2"/>
+                <a:stretch>
+                  <a:fillRect l="-2413"/>
+                </a:stretch>
+              </a:blipFill>
+            </p:spPr>
+            <p:txBody>
+              <a:bodyPr/>
+              <a:lstStyle/>
+              <a:p>
+                <a:r>
+                  <a:rPr lang="en-GB">
+                    <a:noFill/>
+                  </a:rPr>
+                  <a:t> </a:t>
+                </a:r>
+              </a:p>
+            </p:txBody>
+          </p:sp>
+        </mc:Fallback>
+      </mc:AlternateContent>
+      <p:pic>
+        <p:nvPicPr>
+          <p:cNvPr id="4" name="Picture 3">
+            <a:extLst>
+              <a:ext uri="{FF2B5EF4-FFF2-40B4-BE49-F238E27FC236}">
+                <a16:creationId xmlns:a16="http://schemas.microsoft.com/office/drawing/2014/main" id="{30139BBC-9EF2-084E-D655-9917AF380DA2}"/>
+              </a:ext>
+            </a:extLst>
+          </p:cNvPr>
+          <p:cNvPicPr>
+            <a:picLocks noChangeAspect="1"/>
+          </p:cNvPicPr>
+          <p:nvPr/>
+        </p:nvPicPr>
+        <p:blipFill>
+          <a:blip r:embed="rId3"/>
+          <a:srcRect b="37011"/>
+          <a:stretch/>
+        </p:blipFill>
+        <p:spPr>
+          <a:xfrm>
+            <a:off x="838200" y="1593850"/>
+            <a:ext cx="8826460" cy="3571274"/>
+          </a:xfrm>
+          <a:prstGeom prst="rect">
+            <a:avLst/>
+          </a:prstGeom>
+        </p:spPr>
+      </p:pic>
+    </p:spTree>
+    <p:extLst>
+      <p:ext uri="{BB962C8B-B14F-4D97-AF65-F5344CB8AC3E}">
+        <p14:creationId xmlns:p14="http://schemas.microsoft.com/office/powerpoint/2010/main" val="2756681987"/>
       </p:ext>
     </p:extLst>
   </p:cSld>
